--- a/lectures/Rlang/1- intro and syntax basics/syntax basics.pptx
+++ b/lectures/Rlang/1- intro and syntax basics/syntax basics.pptx
@@ -1,6 +1,6 @@
 
 <file path=ppt/presentation.xml><?xml version="1.0" encoding="utf-8"?>
-<p:presentation xmlns:a="http://schemas.openxmlformats.org/drawingml/2006/main" xmlns:p="http://schemas.openxmlformats.org/presentationml/2006/main" xmlns:r="http://schemas.openxmlformats.org/officeDocument/2006/relationships" autoCompressPictures="0" saveSubsetFonts="1">
+<p:presentation xmlns:a="http://schemas.openxmlformats.org/drawingml/2006/main" xmlns:r="http://schemas.openxmlformats.org/officeDocument/2006/relationships" xmlns:p="http://schemas.openxmlformats.org/presentationml/2006/main" saveSubsetFonts="1" autoCompressPictures="0">
   <p:sldMasterIdLst>
     <p:sldMasterId id="2147483648" r:id="rId1"/>
   </p:sldMasterIdLst>
@@ -53,8 +53,8 @@
     <a:defPPr>
       <a:defRPr lang="en-US"/>
     </a:defPPr>
-    <a:lvl1pPr algn="l" defTabSz="457200" eaLnBrk="1" hangingPunct="1" latinLnBrk="0" marL="0" rtl="0">
-      <a:defRPr kern="1200" sz="1800">
+    <a:lvl1pPr marL="0" algn="l" defTabSz="457200" rtl="0" eaLnBrk="1" latinLnBrk="0" hangingPunct="1">
+      <a:defRPr sz="1800" kern="1200">
         <a:solidFill>
           <a:schemeClr val="tx1"/>
         </a:solidFill>
@@ -63,8 +63,8 @@
         <a:cs typeface="+mn-cs"/>
       </a:defRPr>
     </a:lvl1pPr>
-    <a:lvl2pPr algn="l" defTabSz="457200" eaLnBrk="1" hangingPunct="1" latinLnBrk="0" marL="457200" rtl="0">
-      <a:defRPr kern="1200" sz="1800">
+    <a:lvl2pPr marL="457200" algn="l" defTabSz="457200" rtl="0" eaLnBrk="1" latinLnBrk="0" hangingPunct="1">
+      <a:defRPr sz="1800" kern="1200">
         <a:solidFill>
           <a:schemeClr val="tx1"/>
         </a:solidFill>
@@ -73,8 +73,8 @@
         <a:cs typeface="+mn-cs"/>
       </a:defRPr>
     </a:lvl2pPr>
-    <a:lvl3pPr algn="l" defTabSz="457200" eaLnBrk="1" hangingPunct="1" latinLnBrk="0" marL="914400" rtl="0">
-      <a:defRPr kern="1200" sz="1800">
+    <a:lvl3pPr marL="914400" algn="l" defTabSz="457200" rtl="0" eaLnBrk="1" latinLnBrk="0" hangingPunct="1">
+      <a:defRPr sz="1800" kern="1200">
         <a:solidFill>
           <a:schemeClr val="tx1"/>
         </a:solidFill>
@@ -83,8 +83,8 @@
         <a:cs typeface="+mn-cs"/>
       </a:defRPr>
     </a:lvl3pPr>
-    <a:lvl4pPr algn="l" defTabSz="457200" eaLnBrk="1" hangingPunct="1" latinLnBrk="0" marL="1371600" rtl="0">
-      <a:defRPr kern="1200" sz="1800">
+    <a:lvl4pPr marL="1371600" algn="l" defTabSz="457200" rtl="0" eaLnBrk="1" latinLnBrk="0" hangingPunct="1">
+      <a:defRPr sz="1800" kern="1200">
         <a:solidFill>
           <a:schemeClr val="tx1"/>
         </a:solidFill>
@@ -93,8 +93,8 @@
         <a:cs typeface="+mn-cs"/>
       </a:defRPr>
     </a:lvl4pPr>
-    <a:lvl5pPr algn="l" defTabSz="457200" eaLnBrk="1" hangingPunct="1" latinLnBrk="0" marL="1828800" rtl="0">
-      <a:defRPr kern="1200" sz="1800">
+    <a:lvl5pPr marL="1828800" algn="l" defTabSz="457200" rtl="0" eaLnBrk="1" latinLnBrk="0" hangingPunct="1">
+      <a:defRPr sz="1800" kern="1200">
         <a:solidFill>
           <a:schemeClr val="tx1"/>
         </a:solidFill>
@@ -103,8 +103,8 @@
         <a:cs typeface="+mn-cs"/>
       </a:defRPr>
     </a:lvl5pPr>
-    <a:lvl6pPr algn="l" defTabSz="457200" eaLnBrk="1" hangingPunct="1" latinLnBrk="0" marL="2286000" rtl="0">
-      <a:defRPr kern="1200" sz="1800">
+    <a:lvl6pPr marL="2286000" algn="l" defTabSz="457200" rtl="0" eaLnBrk="1" latinLnBrk="0" hangingPunct="1">
+      <a:defRPr sz="1800" kern="1200">
         <a:solidFill>
           <a:schemeClr val="tx1"/>
         </a:solidFill>
@@ -113,8 +113,8 @@
         <a:cs typeface="+mn-cs"/>
       </a:defRPr>
     </a:lvl6pPr>
-    <a:lvl7pPr algn="l" defTabSz="457200" eaLnBrk="1" hangingPunct="1" latinLnBrk="0" marL="2743200" rtl="0">
-      <a:defRPr kern="1200" sz="1800">
+    <a:lvl7pPr marL="2743200" algn="l" defTabSz="457200" rtl="0" eaLnBrk="1" latinLnBrk="0" hangingPunct="1">
+      <a:defRPr sz="1800" kern="1200">
         <a:solidFill>
           <a:schemeClr val="tx1"/>
         </a:solidFill>
@@ -123,8 +123,8 @@
         <a:cs typeface="+mn-cs"/>
       </a:defRPr>
     </a:lvl7pPr>
-    <a:lvl8pPr algn="l" defTabSz="457200" eaLnBrk="1" hangingPunct="1" latinLnBrk="0" marL="3200400" rtl="0">
-      <a:defRPr kern="1200" sz="1800">
+    <a:lvl8pPr marL="3200400" algn="l" defTabSz="457200" rtl="0" eaLnBrk="1" latinLnBrk="0" hangingPunct="1">
+      <a:defRPr sz="1800" kern="1200">
         <a:solidFill>
           <a:schemeClr val="tx1"/>
         </a:solidFill>
@@ -133,8 +133,8 @@
         <a:cs typeface="+mn-cs"/>
       </a:defRPr>
     </a:lvl8pPr>
-    <a:lvl9pPr algn="l" defTabSz="457200" eaLnBrk="1" hangingPunct="1" latinLnBrk="0" marL="3657600" rtl="0">
-      <a:defRPr kern="1200" sz="1800">
+    <a:lvl9pPr marL="3657600" algn="l" defTabSz="457200" rtl="0" eaLnBrk="1" latinLnBrk="0" hangingPunct="1">
+      <a:defRPr sz="1800" kern="1200">
         <a:solidFill>
           <a:schemeClr val="tx1"/>
         </a:solidFill>
@@ -357,7 +357,7 @@
             <a:fld id="{241EB5C9-1307-BA42-ABA2-0BC069CD8E7F}" type="datetimeFigureOut">
               <a:rPr lang="en-US" smtClean="0"/>
               <a:pPr/>
-              <a:t>9/15/2024</a:t>
+              <a:t>9/16/2024</a:t>
             </a:fld>
             <a:endParaRPr lang="en-US" dirty="0"/>
           </a:p>
@@ -426,352 +426,6 @@
     <p:extLst>
       <p:ext uri="{BB962C8B-B14F-4D97-AF65-F5344CB8AC3E}">
         <p14:creationId xmlns:p14="http://schemas.microsoft.com/office/powerpoint/2010/main" val="1444357513"/>
-      </p:ext>
-    </p:extLst>
-  </p:cSld>
-  <p:clrMapOvr>
-    <a:masterClrMapping/>
-  </p:clrMapOvr>
-</p:sldLayout>
-</file>
-
-<file path=ppt/slideLayouts/slideLayout10.xml><?xml version="1.0" encoding="utf-8"?>
-<p:sldLayout xmlns:a="http://schemas.openxmlformats.org/drawingml/2006/main" xmlns:r="http://schemas.openxmlformats.org/officeDocument/2006/relationships" xmlns:p="http://schemas.openxmlformats.org/presentationml/2006/main" type="vertTx" preserve="1">
-  <p:cSld name="Title and Vertical Text">
-    <p:spTree>
-      <p:nvGrpSpPr>
-        <p:cNvPr id="1" name=""/>
-        <p:cNvGrpSpPr/>
-        <p:nvPr/>
-      </p:nvGrpSpPr>
-      <p:grpSpPr>
-        <a:xfrm>
-          <a:off x="0" y="0"/>
-          <a:ext cx="0" cy="0"/>
-          <a:chOff x="0" y="0"/>
-          <a:chExt cx="0" cy="0"/>
-        </a:xfrm>
-      </p:grpSpPr>
-      <p:sp>
-        <p:nvSpPr>
-          <p:cNvPr id="2" name="Title 1"/>
-          <p:cNvSpPr>
-            <a:spLocks noGrp="1"/>
-          </p:cNvSpPr>
-          <p:nvPr>
-            <p:ph type="title"/>
-          </p:nvPr>
-        </p:nvSpPr>
-        <p:spPr/>
-        <p:txBody>
-          <a:bodyPr/>
-          <a:lstStyle/>
-          <a:p>
-            <a:r>
-              <a:rPr lang="en-US"/>
-              <a:t>Click to edit Master title style</a:t>
-            </a:r>
-          </a:p>
-        </p:txBody>
-      </p:sp>
-      <p:sp>
-        <p:nvSpPr>
-          <p:cNvPr id="3" name="Vertical Text Placeholder 2"/>
-          <p:cNvSpPr>
-            <a:spLocks noGrp="1"/>
-          </p:cNvSpPr>
-          <p:nvPr>
-            <p:ph type="body" orient="vert" idx="1"/>
-          </p:nvPr>
-        </p:nvSpPr>
-        <p:spPr/>
-        <p:txBody>
-          <a:bodyPr vert="eaVert"/>
-          <a:lstStyle/>
-          <a:p>
-            <a:pPr lvl="0"/>
-            <a:r>
-              <a:rPr lang="en-US"/>
-              <a:t>Click to edit Master text styles</a:t>
-            </a:r>
-          </a:p>
-          <a:p>
-            <a:pPr lvl="1"/>
-            <a:r>
-              <a:rPr lang="en-US"/>
-              <a:t>Second level</a:t>
-            </a:r>
-          </a:p>
-          <a:p>
-            <a:pPr lvl="2"/>
-            <a:r>
-              <a:rPr lang="en-US"/>
-              <a:t>Third level</a:t>
-            </a:r>
-          </a:p>
-          <a:p>
-            <a:pPr lvl="3"/>
-            <a:r>
-              <a:rPr lang="en-US"/>
-              <a:t>Fourth level</a:t>
-            </a:r>
-          </a:p>
-          <a:p>
-            <a:pPr lvl="4"/>
-            <a:r>
-              <a:rPr lang="en-US"/>
-              <a:t>Fifth level</a:t>
-            </a:r>
-          </a:p>
-        </p:txBody>
-      </p:sp>
-      <p:sp>
-        <p:nvSpPr>
-          <p:cNvPr id="4" name="Date Placeholder 3"/>
-          <p:cNvSpPr>
-            <a:spLocks noGrp="1"/>
-          </p:cNvSpPr>
-          <p:nvPr>
-            <p:ph type="dt" sz="half" idx="10"/>
-          </p:nvPr>
-        </p:nvSpPr>
-        <p:spPr/>
-        <p:txBody>
-          <a:bodyPr/>
-          <a:lstStyle/>
-          <a:p>
-            <a:fld id="{241EB5C9-1307-BA42-ABA2-0BC069CD8E7F}" type="datetimeFigureOut">
-              <a:rPr lang="en-US" smtClean="0"/>
-              <a:t>1/2/22</a:t>
-            </a:fld>
-            <a:endParaRPr lang="en-US"/>
-          </a:p>
-        </p:txBody>
-      </p:sp>
-      <p:sp>
-        <p:nvSpPr>
-          <p:cNvPr id="5" name="Footer Placeholder 4"/>
-          <p:cNvSpPr>
-            <a:spLocks noGrp="1"/>
-          </p:cNvSpPr>
-          <p:nvPr>
-            <p:ph type="ftr" sz="quarter" idx="11"/>
-          </p:nvPr>
-        </p:nvSpPr>
-        <p:spPr/>
-        <p:txBody>
-          <a:bodyPr/>
-          <a:lstStyle/>
-          <a:p>
-            <a:endParaRPr lang="en-US"/>
-          </a:p>
-        </p:txBody>
-      </p:sp>
-      <p:sp>
-        <p:nvSpPr>
-          <p:cNvPr id="6" name="Slide Number Placeholder 5"/>
-          <p:cNvSpPr>
-            <a:spLocks noGrp="1"/>
-          </p:cNvSpPr>
-          <p:nvPr>
-            <p:ph type="sldNum" sz="quarter" idx="12"/>
-          </p:nvPr>
-        </p:nvSpPr>
-        <p:spPr/>
-        <p:txBody>
-          <a:bodyPr/>
-          <a:lstStyle/>
-          <a:p>
-            <a:fld id="{C5EF2332-01BF-834F-8236-50238282D533}" type="slidenum">
-              <a:rPr lang="en-US" smtClean="0"/>
-              <a:t>‹#›</a:t>
-            </a:fld>
-            <a:endParaRPr lang="en-US"/>
-          </a:p>
-        </p:txBody>
-      </p:sp>
-    </p:spTree>
-    <p:extLst>
-      <p:ext uri="{BB962C8B-B14F-4D97-AF65-F5344CB8AC3E}">
-        <p14:creationId xmlns:p14="http://schemas.microsoft.com/office/powerpoint/2010/main" val="313914798"/>
-      </p:ext>
-    </p:extLst>
-  </p:cSld>
-  <p:clrMapOvr>
-    <a:masterClrMapping/>
-  </p:clrMapOvr>
-</p:sldLayout>
-</file>
-
-<file path=ppt/slideLayouts/slideLayout11.xml><?xml version="1.0" encoding="utf-8"?>
-<p:sldLayout xmlns:a="http://schemas.openxmlformats.org/drawingml/2006/main" xmlns:r="http://schemas.openxmlformats.org/officeDocument/2006/relationships" xmlns:p="http://schemas.openxmlformats.org/presentationml/2006/main" type="vertTitleAndTx" preserve="1">
-  <p:cSld name="Vertical Title and Text">
-    <p:spTree>
-      <p:nvGrpSpPr>
-        <p:cNvPr id="1" name=""/>
-        <p:cNvGrpSpPr/>
-        <p:nvPr/>
-      </p:nvGrpSpPr>
-      <p:grpSpPr>
-        <a:xfrm>
-          <a:off x="0" y="0"/>
-          <a:ext cx="0" cy="0"/>
-          <a:chOff x="0" y="0"/>
-          <a:chExt cx="0" cy="0"/>
-        </a:xfrm>
-      </p:grpSpPr>
-      <p:sp>
-        <p:nvSpPr>
-          <p:cNvPr id="2" name="Vertical Title 1"/>
-          <p:cNvSpPr>
-            <a:spLocks noGrp="1"/>
-          </p:cNvSpPr>
-          <p:nvPr>
-            <p:ph type="title" orient="vert"/>
-          </p:nvPr>
-        </p:nvSpPr>
-        <p:spPr>
-          <a:xfrm>
-            <a:off x="6629400" y="205979"/>
-            <a:ext cx="2057400" cy="4388644"/>
-          </a:xfrm>
-        </p:spPr>
-        <p:txBody>
-          <a:bodyPr vert="eaVert"/>
-          <a:lstStyle/>
-          <a:p>
-            <a:r>
-              <a:rPr lang="en-US"/>
-              <a:t>Click to edit Master title style</a:t>
-            </a:r>
-          </a:p>
-        </p:txBody>
-      </p:sp>
-      <p:sp>
-        <p:nvSpPr>
-          <p:cNvPr id="3" name="Vertical Text Placeholder 2"/>
-          <p:cNvSpPr>
-            <a:spLocks noGrp="1"/>
-          </p:cNvSpPr>
-          <p:nvPr>
-            <p:ph type="body" orient="vert" idx="1"/>
-          </p:nvPr>
-        </p:nvSpPr>
-        <p:spPr>
-          <a:xfrm>
-            <a:off x="457200" y="205979"/>
-            <a:ext cx="6019800" cy="4388644"/>
-          </a:xfrm>
-        </p:spPr>
-        <p:txBody>
-          <a:bodyPr vert="eaVert"/>
-          <a:lstStyle/>
-          <a:p>
-            <a:pPr lvl="0"/>
-            <a:r>
-              <a:rPr lang="en-US"/>
-              <a:t>Click to edit Master text styles</a:t>
-            </a:r>
-          </a:p>
-          <a:p>
-            <a:pPr lvl="1"/>
-            <a:r>
-              <a:rPr lang="en-US"/>
-              <a:t>Second level</a:t>
-            </a:r>
-          </a:p>
-          <a:p>
-            <a:pPr lvl="2"/>
-            <a:r>
-              <a:rPr lang="en-US"/>
-              <a:t>Third level</a:t>
-            </a:r>
-          </a:p>
-          <a:p>
-            <a:pPr lvl="3"/>
-            <a:r>
-              <a:rPr lang="en-US"/>
-              <a:t>Fourth level</a:t>
-            </a:r>
-          </a:p>
-          <a:p>
-            <a:pPr lvl="4"/>
-            <a:r>
-              <a:rPr lang="en-US"/>
-              <a:t>Fifth level</a:t>
-            </a:r>
-          </a:p>
-        </p:txBody>
-      </p:sp>
-      <p:sp>
-        <p:nvSpPr>
-          <p:cNvPr id="4" name="Date Placeholder 3"/>
-          <p:cNvSpPr>
-            <a:spLocks noGrp="1"/>
-          </p:cNvSpPr>
-          <p:nvPr>
-            <p:ph type="dt" sz="half" idx="10"/>
-          </p:nvPr>
-        </p:nvSpPr>
-        <p:spPr/>
-        <p:txBody>
-          <a:bodyPr/>
-          <a:lstStyle/>
-          <a:p>
-            <a:fld id="{241EB5C9-1307-BA42-ABA2-0BC069CD8E7F}" type="datetimeFigureOut">
-              <a:rPr lang="en-US" smtClean="0"/>
-              <a:t>1/2/22</a:t>
-            </a:fld>
-            <a:endParaRPr lang="en-US"/>
-          </a:p>
-        </p:txBody>
-      </p:sp>
-      <p:sp>
-        <p:nvSpPr>
-          <p:cNvPr id="5" name="Footer Placeholder 4"/>
-          <p:cNvSpPr>
-            <a:spLocks noGrp="1"/>
-          </p:cNvSpPr>
-          <p:nvPr>
-            <p:ph type="ftr" sz="quarter" idx="11"/>
-          </p:nvPr>
-        </p:nvSpPr>
-        <p:spPr/>
-        <p:txBody>
-          <a:bodyPr/>
-          <a:lstStyle/>
-          <a:p>
-            <a:endParaRPr lang="en-US"/>
-          </a:p>
-        </p:txBody>
-      </p:sp>
-      <p:sp>
-        <p:nvSpPr>
-          <p:cNvPr id="6" name="Slide Number Placeholder 5"/>
-          <p:cNvSpPr>
-            <a:spLocks noGrp="1"/>
-          </p:cNvSpPr>
-          <p:nvPr>
-            <p:ph type="sldNum" sz="quarter" idx="12"/>
-          </p:nvPr>
-        </p:nvSpPr>
-        <p:spPr/>
-        <p:txBody>
-          <a:bodyPr/>
-          <a:lstStyle/>
-          <a:p>
-            <a:fld id="{C5EF2332-01BF-834F-8236-50238282D533}" type="slidenum">
-              <a:rPr lang="en-US" smtClean="0"/>
-              <a:t>‹#›</a:t>
-            </a:fld>
-            <a:endParaRPr lang="en-US"/>
-          </a:p>
-        </p:txBody>
-      </p:sp>
-    </p:spTree>
-    <p:extLst>
-      <p:ext uri="{BB962C8B-B14F-4D97-AF65-F5344CB8AC3E}">
-        <p14:creationId xmlns:p14="http://schemas.microsoft.com/office/powerpoint/2010/main" val="2581529045"/>
       </p:ext>
     </p:extLst>
   </p:cSld>
@@ -951,7 +605,7 @@
             <a:fld id="{241EB5C9-1307-BA42-ABA2-0BC069CD8E7F}" type="datetimeFigureOut">
               <a:rPr lang="en-US" smtClean="0"/>
               <a:pPr/>
-              <a:t>9/15/2024</a:t>
+              <a:t>9/16/2024</a:t>
             </a:fld>
             <a:endParaRPr lang="en-US"/>
           </a:p>
@@ -1224,7 +878,7 @@
             <a:fld id="{241EB5C9-1307-BA42-ABA2-0BC069CD8E7F}" type="datetimeFigureOut">
               <a:rPr lang="en-US" smtClean="0"/>
               <a:pPr/>
-              <a:t>9/15/2024</a:t>
+              <a:t>9/16/2024</a:t>
             </a:fld>
             <a:endParaRPr lang="en-US"/>
           </a:p>
@@ -1583,7 +1237,7 @@
             <a:fld id="{241EB5C9-1307-BA42-ABA2-0BC069CD8E7F}" type="datetimeFigureOut">
               <a:rPr lang="en-US" smtClean="0"/>
               <a:pPr/>
-              <a:t>9/15/2024</a:t>
+              <a:t>9/16/2024</a:t>
             </a:fld>
             <a:endParaRPr lang="en-US"/>
           </a:p>
@@ -2080,7 +1734,7 @@
             <a:fld id="{241EB5C9-1307-BA42-ABA2-0BC069CD8E7F}" type="datetimeFigureOut">
               <a:rPr lang="en-US" smtClean="0"/>
               <a:pPr/>
-              <a:t>9/15/2024</a:t>
+              <a:t>9/16/2024</a:t>
             </a:fld>
             <a:endParaRPr lang="en-US"/>
           </a:p>
@@ -2214,7 +1868,7 @@
           <a:p>
             <a:fld id="{241EB5C9-1307-BA42-ABA2-0BC069CD8E7F}" type="datetimeFigureOut">
               <a:rPr lang="en-US" smtClean="0"/>
-              <a:t>9/15/2024</a:t>
+              <a:t>9/16/2024</a:t>
             </a:fld>
             <a:endParaRPr lang="en-US"/>
           </a:p>
@@ -2318,7 +1972,7 @@
             <a:fld id="{241EB5C9-1307-BA42-ABA2-0BC069CD8E7F}" type="datetimeFigureOut">
               <a:rPr lang="en-US" smtClean="0"/>
               <a:pPr/>
-              <a:t>9/15/2024</a:t>
+              <a:t>9/16/2024</a:t>
             </a:fld>
             <a:endParaRPr lang="en-US"/>
           </a:p>
@@ -2610,7 +2264,7 @@
           <a:p>
             <a:fld id="{241EB5C9-1307-BA42-ABA2-0BC069CD8E7F}" type="datetimeFigureOut">
               <a:rPr lang="en-US" smtClean="0"/>
-              <a:t>9/15/2024</a:t>
+              <a:t>9/16/2024</a:t>
             </a:fld>
             <a:endParaRPr lang="en-US"/>
           </a:p>
@@ -2883,7 +2537,7 @@
             <a:fld id="{241EB5C9-1307-BA42-ABA2-0BC069CD8E7F}" type="datetimeFigureOut">
               <a:rPr lang="en-US" smtClean="0"/>
               <a:pPr/>
-              <a:t>9/15/2024</a:t>
+              <a:t>9/16/2024</a:t>
             </a:fld>
             <a:endParaRPr lang="en-US"/>
           </a:p>
@@ -2962,7 +2616,7 @@
 </file>
 
 <file path=ppt/slideMasters/slideMaster1.xml><?xml version="1.0" encoding="utf-8"?>
-<p:sldMaster xmlns:a="http://schemas.openxmlformats.org/drawingml/2006/main" xmlns:p="http://schemas.openxmlformats.org/presentationml/2006/main" xmlns:r="http://schemas.openxmlformats.org/officeDocument/2006/relationships">
+<p:sldMaster xmlns:a="http://schemas.openxmlformats.org/drawingml/2006/main" xmlns:r="http://schemas.openxmlformats.org/officeDocument/2006/relationships" xmlns:p="http://schemas.openxmlformats.org/presentationml/2006/main">
   <p:cSld>
     <p:bg>
       <p:bgPr>
@@ -2988,7 +2642,7 @@
       </p:grpSpPr>
       <p:pic>
         <p:nvPicPr>
-          <p:cNvPr descr="A yellow hexagon with black text  Description automatically generated" id="10" name="Picture 9">
+          <p:cNvPr id="10" name="Picture 9" descr="A yellow hexagon with black text  Description automatically generated">
             <a:extLst>
               <a:ext uri="{FF2B5EF4-FFF2-40B4-BE49-F238E27FC236}">
                 <a16:creationId xmlns:a16="http://schemas.microsoft.com/office/drawing/2014/main" id="{68B82AAD-AC4A-3C76-3A8E-B01DC0C94E48}"/>
@@ -3005,21 +2659,21 @@
             <a:extLst>
               <a:ext uri="{BEBA8EAE-BF5A-486C-A8C5-ECC9F3942E4B}">
                 <a14:imgProps xmlns:a14="http://schemas.microsoft.com/office/drawing/2010/main">
-                  <a14:imgLayer r:embed="rId12">
+                  <a14:imgLayer>
                     <a14:imgEffect>
-                      <a14:backgroundRemoval b="94000" l="2078" r="92208" t="6889">
-                        <a14:foregroundMark x1="31429" x2="31429" y1="47333" y2="47333"/>
-                        <a14:foregroundMark x1="41558" x2="41558" y1="47333" y2="47333"/>
-                        <a14:foregroundMark x1="43896" x2="49091" y1="47333" y2="7111"/>
-                        <a14:foregroundMark x1="51688" x2="37662" y1="60444" y2="52889"/>
-                        <a14:foregroundMark x1="65714" x2="67013" y1="50667" y2="78889"/>
-                        <a14:foregroundMark x1="92208" x2="89870" y1="31111" y2="70222"/>
-                        <a14:foregroundMark x1="8312" x2="8312" y1="32222" y2="69111"/>
-                        <a14:foregroundMark x1="51688" x2="51688" y1="94222" y2="94222"/>
-                        <a14:foregroundMark x1="2078" x2="2078" y1="51778" y2="51778"/>
-                        <a14:foregroundMark x1="55325" x2="55325" y1="31111" y2="31111"/>
-                        <a14:foregroundMark x1="32468" x2="32468" y1="34444" y2="34444"/>
-                        <a14:foregroundMark x1="28831" x2="28831" y1="32222" y2="32222"/>
+                      <a14:backgroundRemoval t="6889" b="94000" l="2078" r="92208">
+                        <a14:foregroundMark x1="31429" y1="47333" x2="31429" y2="47333"/>
+                        <a14:foregroundMark x1="41558" y1="47333" x2="41558" y2="47333"/>
+                        <a14:foregroundMark x1="43896" y1="47333" x2="49091" y2="7111"/>
+                        <a14:foregroundMark x1="51688" y1="60444" x2="37662" y2="52889"/>
+                        <a14:foregroundMark x1="65714" y1="50667" x2="67013" y2="78889"/>
+                        <a14:foregroundMark x1="92208" y1="31111" x2="89870" y2="70222"/>
+                        <a14:foregroundMark x1="8312" y1="32222" x2="8312" y2="69111"/>
+                        <a14:foregroundMark x1="51688" y1="94222" x2="51688" y2="94222"/>
+                        <a14:foregroundMark x1="2078" y1="51778" x2="2078" y2="51778"/>
+                        <a14:foregroundMark x1="55325" y1="31111" x2="55325" y2="31111"/>
+                        <a14:foregroundMark x1="32468" y1="34444" x2="32468" y2="34444"/>
+                        <a14:foregroundMark x1="28831" y1="32222" x2="28831" y2="32222"/>
                       </a14:backgroundRemoval>
                     </a14:imgEffect>
                   </a14:imgLayer>
@@ -3061,13 +2715,13 @@
           </a:prstGeom>
         </p:spPr>
         <p:txBody>
-          <a:bodyPr anchor="ctr" bIns="45720" lIns="91440" rIns="91440" rtlCol="0" tIns="45720" vert="horz">
+          <a:bodyPr vert="horz" lIns="91440" tIns="45720" rIns="91440" bIns="45720" rtlCol="0" anchor="ctr">
             <a:normAutofit/>
           </a:bodyPr>
           <a:lstStyle/>
           <a:p>
             <a:r>
-              <a:rPr dirty="0" lang="en-US"/>
+              <a:rPr lang="en-US" dirty="0"/>
               <a:t>Click to edit Master title style</a:t>
             </a:r>
           </a:p>
@@ -3080,7 +2734,7 @@
             <a:spLocks noGrp="1"/>
           </p:cNvSpPr>
           <p:nvPr>
-            <p:ph idx="1" type="body"/>
+            <p:ph type="body" idx="1"/>
           </p:nvPr>
         </p:nvSpPr>
         <p:spPr>
@@ -3093,42 +2747,42 @@
           </a:prstGeom>
         </p:spPr>
         <p:txBody>
-          <a:bodyPr bIns="45720" lIns="91440" rIns="91440" rtlCol="0" tIns="45720" vert="horz">
+          <a:bodyPr vert="horz" lIns="91440" tIns="45720" rIns="91440" bIns="45720" rtlCol="0">
             <a:normAutofit/>
           </a:bodyPr>
           <a:lstStyle/>
           <a:p>
             <a:pPr lvl="0"/>
             <a:r>
-              <a:rPr dirty="0" lang="en-US"/>
+              <a:rPr lang="en-US" dirty="0"/>
               <a:t>Click to edit Master text styles</a:t>
             </a:r>
           </a:p>
           <a:p>
             <a:pPr lvl="1"/>
             <a:r>
-              <a:rPr dirty="0" lang="en-US"/>
+              <a:rPr lang="en-US" dirty="0"/>
               <a:t>Second level</a:t>
             </a:r>
           </a:p>
           <a:p>
             <a:pPr lvl="2"/>
             <a:r>
-              <a:rPr dirty="0" lang="en-US"/>
+              <a:rPr lang="en-US" dirty="0"/>
               <a:t>Third level</a:t>
             </a:r>
           </a:p>
           <a:p>
             <a:pPr lvl="3"/>
             <a:r>
-              <a:rPr dirty="0" lang="en-US"/>
+              <a:rPr lang="en-US" dirty="0"/>
               <a:t>Fourth level</a:t>
             </a:r>
           </a:p>
           <a:p>
             <a:pPr lvl="4"/>
             <a:r>
-              <a:rPr dirty="0" lang="en-US"/>
+              <a:rPr lang="en-US" dirty="0"/>
               <a:t>Fifth level</a:t>
             </a:r>
           </a:p>
@@ -3141,7 +2795,7 @@
             <a:spLocks noGrp="1"/>
           </p:cNvSpPr>
           <p:nvPr>
-            <p:ph idx="2" sz="half" type="dt"/>
+            <p:ph type="dt" sz="half" idx="2"/>
           </p:nvPr>
         </p:nvSpPr>
         <p:spPr>
@@ -3154,7 +2808,7 @@
           </a:prstGeom>
         </p:spPr>
         <p:txBody>
-          <a:bodyPr anchor="ctr" bIns="45720" lIns="91440" rIns="91440" rtlCol="0" tIns="45720" vert="horz"/>
+          <a:bodyPr vert="horz" lIns="91440" tIns="45720" rIns="91440" bIns="45720" rtlCol="0" anchor="ctr"/>
           <a:lstStyle>
             <a:lvl1pPr algn="l">
               <a:defRPr sz="900">
@@ -3168,7 +2822,7 @@
             <a:fld id="{241EB5C9-1307-BA42-ABA2-0BC069CD8E7F}" type="datetimeFigureOut">
               <a:rPr lang="en-US" smtClean="0"/>
               <a:pPr/>
-              <a:t>9/15/2024</a:t>
+              <a:t>9/16/2024</a:t>
             </a:fld>
             <a:endParaRPr lang="en-US"/>
           </a:p>
@@ -3181,7 +2835,7 @@
             <a:spLocks noGrp="1"/>
           </p:cNvSpPr>
           <p:nvPr>
-            <p:ph idx="3" sz="quarter" type="ftr"/>
+            <p:ph type="ftr" sz="quarter" idx="3"/>
           </p:nvPr>
         </p:nvSpPr>
         <p:spPr>
@@ -3194,7 +2848,7 @@
           </a:prstGeom>
         </p:spPr>
         <p:txBody>
-          <a:bodyPr anchor="ctr" bIns="45720" lIns="91440" rIns="91440" rtlCol="0" tIns="45720" vert="horz"/>
+          <a:bodyPr vert="horz" lIns="91440" tIns="45720" rIns="91440" bIns="45720" rtlCol="0" anchor="ctr"/>
           <a:lstStyle>
             <a:lvl1pPr algn="ctr">
               <a:defRPr sz="900">
@@ -3216,7 +2870,7 @@
             <a:spLocks noGrp="1"/>
           </p:cNvSpPr>
           <p:nvPr>
-            <p:ph idx="4" sz="quarter" type="sldNum"/>
+            <p:ph type="sldNum" sz="quarter" idx="4"/>
           </p:nvPr>
         </p:nvSpPr>
         <p:spPr>
@@ -3229,7 +2883,7 @@
           </a:prstGeom>
         </p:spPr>
         <p:txBody>
-          <a:bodyPr anchor="ctr" bIns="45720" lIns="91440" rIns="91440" rtlCol="0" tIns="45720" vert="horz"/>
+          <a:bodyPr vert="horz" lIns="91440" tIns="45720" rIns="91440" bIns="45720" rtlCol="0" anchor="ctr"/>
           <a:lstStyle>
             <a:lvl1pPr algn="r">
               <a:defRPr sz="900">
@@ -3245,13 +2899,13 @@
               <a:pPr/>
               <a:t>‹#›</a:t>
             </a:fld>
-            <a:endParaRPr dirty="0" lang="en-US"/>
+            <a:endParaRPr lang="en-US" dirty="0"/>
           </a:p>
         </p:txBody>
       </p:sp>
       <p:pic>
         <p:nvPicPr>
-          <p:cNvPr descr="A hexagon with a head and a gear  Description automatically generated" id="7" name="Picture 6">
+          <p:cNvPr id="7" name="Picture 6" descr="A hexagon with a head and a gear  Description automatically generated">
             <a:extLst>
               <a:ext uri="{FF2B5EF4-FFF2-40B4-BE49-F238E27FC236}">
                 <a16:creationId xmlns:a16="http://schemas.microsoft.com/office/drawing/2014/main" id="{5A388803-D564-636D-2923-C1A4AFE0B8FB}"/>
@@ -3264,7 +2918,7 @@
           <p:nvPr userDrawn="1"/>
         </p:nvPicPr>
         <p:blipFill>
-          <a:blip r:embed="rId13">
+          <a:blip r:embed="rId12">
             <a:extLst>
               <a:ext uri="{28A0092B-C50C-407E-A947-70E740481C1C}">
                 <a14:useLocalDpi xmlns:a14="http://schemas.microsoft.com/office/drawing/2010/main" val="0"/>
@@ -3292,7 +2946,7 @@
       </p:ext>
     </p:extLst>
   </p:cSld>
-  <p:clrMap accent1="accent1" accent2="accent2" accent3="accent3" accent4="accent4" accent5="accent5" accent6="accent6" bg1="lt1" bg2="lt2" folHlink="folHlink" hlink="hlink" tx1="dk1" tx2="dk2"/>
+  <p:clrMap bg1="lt1" tx1="dk1" bg2="lt2" tx2="dk2" accent1="accent1" accent2="accent2" accent3="accent3" accent4="accent4" accent5="accent5" accent6="accent6" hlink="hlink" folHlink="folHlink"/>
   <p:sldLayoutIdLst>
     <p:sldLayoutId id="2147483649" r:id="rId1"/>
     <p:sldLayoutId id="2147483650" r:id="rId2"/>
@@ -3306,12 +2960,12 @@
   </p:sldLayoutIdLst>
   <p:txStyles>
     <p:titleStyle>
-      <a:lvl1pPr algn="ctr" defTabSz="342900" eaLnBrk="1" hangingPunct="1" latinLnBrk="0" rtl="0">
+      <a:lvl1pPr algn="ctr" defTabSz="342900" rtl="0" eaLnBrk="1" latinLnBrk="0" hangingPunct="1">
         <a:spcBef>
           <a:spcPct val="0"/>
         </a:spcBef>
         <a:buNone/>
-        <a:defRPr kern="1200" sz="3300">
+        <a:defRPr sz="3300" kern="1200">
           <a:solidFill>
             <a:schemeClr val="bg1"/>
           </a:solidFill>
@@ -3322,13 +2976,13 @@
       </a:lvl1pPr>
     </p:titleStyle>
     <p:bodyStyle>
-      <a:lvl1pPr algn="l" defTabSz="342900" eaLnBrk="1" hangingPunct="1" indent="-342900" latinLnBrk="0" marL="342900" rtl="0">
+      <a:lvl1pPr marL="342900" indent="-342900" algn="l" defTabSz="342900" rtl="0" eaLnBrk="1" latinLnBrk="0" hangingPunct="1">
         <a:spcBef>
           <a:spcPct val="20000"/>
         </a:spcBef>
-        <a:buFont charset="0" panose="020B0604020202020204" pitchFamily="34" typeface="Arial"/>
+        <a:buFont typeface="Arial" panose="020B0604020202020204" pitchFamily="34" charset="0"/>
         <a:buChar char="•"/>
-        <a:defRPr kern="1200" sz="2400">
+        <a:defRPr sz="2400" kern="1200">
           <a:solidFill>
             <a:schemeClr val="bg1"/>
           </a:solidFill>
@@ -3337,13 +2991,13 @@
           <a:cs typeface="+mn-cs"/>
         </a:defRPr>
       </a:lvl1pPr>
-      <a:lvl2pPr algn="l" defTabSz="342900" eaLnBrk="1" hangingPunct="1" indent="-342900" latinLnBrk="0" marL="685800" rtl="0">
+      <a:lvl2pPr marL="685800" indent="-342900" algn="l" defTabSz="342900" rtl="0" eaLnBrk="1" latinLnBrk="0" hangingPunct="1">
         <a:spcBef>
           <a:spcPct val="20000"/>
         </a:spcBef>
-        <a:buFont charset="0" panose="020B0604020202020204" pitchFamily="34" typeface="Arial"/>
+        <a:buFont typeface="Arial" panose="020B0604020202020204" pitchFamily="34" charset="0"/>
         <a:buChar char="•"/>
-        <a:defRPr kern="1200" sz="2100">
+        <a:defRPr sz="2100" kern="1200">
           <a:solidFill>
             <a:schemeClr val="bg1"/>
           </a:solidFill>
@@ -3352,13 +3006,13 @@
           <a:cs typeface="+mn-cs"/>
         </a:defRPr>
       </a:lvl2pPr>
-      <a:lvl3pPr algn="l" defTabSz="342900" eaLnBrk="1" hangingPunct="1" indent="-285750" latinLnBrk="0" marL="971550" rtl="0">
+      <a:lvl3pPr marL="971550" indent="-285750" algn="l" defTabSz="342900" rtl="0" eaLnBrk="1" latinLnBrk="0" hangingPunct="1">
         <a:spcBef>
           <a:spcPct val="20000"/>
         </a:spcBef>
-        <a:buFont charset="0" panose="020B0604020202020204" pitchFamily="34" typeface="Arial"/>
+        <a:buFont typeface="Arial" panose="020B0604020202020204" pitchFamily="34" charset="0"/>
         <a:buChar char="•"/>
-        <a:defRPr kern="1200" sz="1800">
+        <a:defRPr sz="1800" kern="1200">
           <a:solidFill>
             <a:schemeClr val="bg1"/>
           </a:solidFill>
@@ -3367,13 +3021,13 @@
           <a:cs typeface="+mn-cs"/>
         </a:defRPr>
       </a:lvl3pPr>
-      <a:lvl4pPr algn="l" defTabSz="342900" eaLnBrk="1" hangingPunct="1" indent="-285750" latinLnBrk="0" marL="1314450" rtl="0">
+      <a:lvl4pPr marL="1314450" indent="-285750" algn="l" defTabSz="342900" rtl="0" eaLnBrk="1" latinLnBrk="0" hangingPunct="1">
         <a:spcBef>
           <a:spcPct val="20000"/>
         </a:spcBef>
-        <a:buFont charset="0" panose="020B0604020202020204" pitchFamily="34" typeface="Arial"/>
+        <a:buFont typeface="Arial" panose="020B0604020202020204" pitchFamily="34" charset="0"/>
         <a:buChar char="•"/>
-        <a:defRPr kern="1200" sz="1500">
+        <a:defRPr sz="1500" kern="1200">
           <a:solidFill>
             <a:schemeClr val="bg1"/>
           </a:solidFill>
@@ -3382,13 +3036,13 @@
           <a:cs typeface="+mn-cs"/>
         </a:defRPr>
       </a:lvl4pPr>
-      <a:lvl5pPr algn="l" defTabSz="342900" eaLnBrk="1" hangingPunct="1" indent="-285750" latinLnBrk="0" marL="1657350" rtl="0">
+      <a:lvl5pPr marL="1657350" indent="-285750" algn="l" defTabSz="342900" rtl="0" eaLnBrk="1" latinLnBrk="0" hangingPunct="1">
         <a:spcBef>
           <a:spcPct val="20000"/>
         </a:spcBef>
-        <a:buFont charset="0" panose="020B0604020202020204" pitchFamily="34" typeface="Arial"/>
+        <a:buFont typeface="Arial" panose="020B0604020202020204" pitchFamily="34" charset="0"/>
         <a:buChar char="•"/>
-        <a:defRPr kern="1200" sz="1500">
+        <a:defRPr sz="1500" kern="1200">
           <a:solidFill>
             <a:schemeClr val="bg1"/>
           </a:solidFill>
@@ -3397,13 +3051,13 @@
           <a:cs typeface="+mn-cs"/>
         </a:defRPr>
       </a:lvl5pPr>
-      <a:lvl6pPr algn="l" defTabSz="342900" eaLnBrk="1" hangingPunct="1" indent="-342900" latinLnBrk="0" marL="2057400" rtl="0">
+      <a:lvl6pPr marL="2057400" indent="-342900" algn="l" defTabSz="342900" rtl="0" eaLnBrk="1" latinLnBrk="0" hangingPunct="1">
         <a:spcBef>
           <a:spcPct val="20000"/>
         </a:spcBef>
         <a:buFont typeface="Arial"/>
         <a:buChar char="•"/>
-        <a:defRPr kern="1200" sz="1500">
+        <a:defRPr sz="1500" kern="1200">
           <a:solidFill>
             <a:schemeClr val="tx1"/>
           </a:solidFill>
@@ -3412,13 +3066,13 @@
           <a:cs typeface="+mn-cs"/>
         </a:defRPr>
       </a:lvl6pPr>
-      <a:lvl7pPr algn="l" defTabSz="342900" eaLnBrk="1" hangingPunct="1" indent="-342900" latinLnBrk="0" marL="2400300" rtl="0">
+      <a:lvl7pPr marL="2400300" indent="-342900" algn="l" defTabSz="342900" rtl="0" eaLnBrk="1" latinLnBrk="0" hangingPunct="1">
         <a:spcBef>
           <a:spcPct val="20000"/>
         </a:spcBef>
         <a:buFont typeface="Arial"/>
         <a:buChar char="•"/>
-        <a:defRPr kern="1200" sz="1500">
+        <a:defRPr sz="1500" kern="1200">
           <a:solidFill>
             <a:schemeClr val="tx1"/>
           </a:solidFill>
@@ -3427,13 +3081,13 @@
           <a:cs typeface="+mn-cs"/>
         </a:defRPr>
       </a:lvl7pPr>
-      <a:lvl8pPr algn="l" defTabSz="342900" eaLnBrk="1" hangingPunct="1" indent="-342900" latinLnBrk="0" marL="2743200" rtl="0">
+      <a:lvl8pPr marL="2743200" indent="-342900" algn="l" defTabSz="342900" rtl="0" eaLnBrk="1" latinLnBrk="0" hangingPunct="1">
         <a:spcBef>
           <a:spcPct val="20000"/>
         </a:spcBef>
         <a:buFont typeface="Arial"/>
         <a:buChar char="•"/>
-        <a:defRPr kern="1200" sz="1500">
+        <a:defRPr sz="1500" kern="1200">
           <a:solidFill>
             <a:schemeClr val="tx1"/>
           </a:solidFill>
@@ -3442,13 +3096,13 @@
           <a:cs typeface="+mn-cs"/>
         </a:defRPr>
       </a:lvl8pPr>
-      <a:lvl9pPr algn="l" defTabSz="342900" eaLnBrk="1" hangingPunct="1" indent="-342900" latinLnBrk="0" marL="3086100" rtl="0">
+      <a:lvl9pPr marL="3086100" indent="-342900" algn="l" defTabSz="342900" rtl="0" eaLnBrk="1" latinLnBrk="0" hangingPunct="1">
         <a:spcBef>
           <a:spcPct val="20000"/>
         </a:spcBef>
         <a:buFont typeface="Arial"/>
         <a:buChar char="•"/>
-        <a:defRPr kern="1200" sz="1500">
+        <a:defRPr sz="1500" kern="1200">
           <a:solidFill>
             <a:schemeClr val="tx1"/>
           </a:solidFill>
@@ -3462,8 +3116,8 @@
       <a:defPPr>
         <a:defRPr lang="en-US"/>
       </a:defPPr>
-      <a:lvl1pPr algn="l" defTabSz="342900" eaLnBrk="1" hangingPunct="1" latinLnBrk="0" marL="0" rtl="0">
-        <a:defRPr kern="1200" sz="1350">
+      <a:lvl1pPr marL="0" algn="l" defTabSz="342900" rtl="0" eaLnBrk="1" latinLnBrk="0" hangingPunct="1">
+        <a:defRPr sz="1350" kern="1200">
           <a:solidFill>
             <a:schemeClr val="tx1"/>
           </a:solidFill>
@@ -3472,8 +3126,8 @@
           <a:cs typeface="+mn-cs"/>
         </a:defRPr>
       </a:lvl1pPr>
-      <a:lvl2pPr algn="l" defTabSz="342900" eaLnBrk="1" hangingPunct="1" latinLnBrk="0" marL="342900" rtl="0">
-        <a:defRPr kern="1200" sz="1350">
+      <a:lvl2pPr marL="342900" algn="l" defTabSz="342900" rtl="0" eaLnBrk="1" latinLnBrk="0" hangingPunct="1">
+        <a:defRPr sz="1350" kern="1200">
           <a:solidFill>
             <a:schemeClr val="tx1"/>
           </a:solidFill>
@@ -3482,8 +3136,8 @@
           <a:cs typeface="+mn-cs"/>
         </a:defRPr>
       </a:lvl2pPr>
-      <a:lvl3pPr algn="l" defTabSz="342900" eaLnBrk="1" hangingPunct="1" latinLnBrk="0" marL="685800" rtl="0">
-        <a:defRPr kern="1200" sz="1350">
+      <a:lvl3pPr marL="685800" algn="l" defTabSz="342900" rtl="0" eaLnBrk="1" latinLnBrk="0" hangingPunct="1">
+        <a:defRPr sz="1350" kern="1200">
           <a:solidFill>
             <a:schemeClr val="tx1"/>
           </a:solidFill>
@@ -3492,8 +3146,8 @@
           <a:cs typeface="+mn-cs"/>
         </a:defRPr>
       </a:lvl3pPr>
-      <a:lvl4pPr algn="l" defTabSz="342900" eaLnBrk="1" hangingPunct="1" latinLnBrk="0" marL="1028700" rtl="0">
-        <a:defRPr kern="1200" sz="1350">
+      <a:lvl4pPr marL="1028700" algn="l" defTabSz="342900" rtl="0" eaLnBrk="1" latinLnBrk="0" hangingPunct="1">
+        <a:defRPr sz="1350" kern="1200">
           <a:solidFill>
             <a:schemeClr val="tx1"/>
           </a:solidFill>
@@ -3502,8 +3156,8 @@
           <a:cs typeface="+mn-cs"/>
         </a:defRPr>
       </a:lvl4pPr>
-      <a:lvl5pPr algn="l" defTabSz="342900" eaLnBrk="1" hangingPunct="1" latinLnBrk="0" marL="1371600" rtl="0">
-        <a:defRPr kern="1200" sz="1350">
+      <a:lvl5pPr marL="1371600" algn="l" defTabSz="342900" rtl="0" eaLnBrk="1" latinLnBrk="0" hangingPunct="1">
+        <a:defRPr sz="1350" kern="1200">
           <a:solidFill>
             <a:schemeClr val="tx1"/>
           </a:solidFill>
@@ -3512,8 +3166,8 @@
           <a:cs typeface="+mn-cs"/>
         </a:defRPr>
       </a:lvl5pPr>
-      <a:lvl6pPr algn="l" defTabSz="342900" eaLnBrk="1" hangingPunct="1" latinLnBrk="0" marL="1714500" rtl="0">
-        <a:defRPr kern="1200" sz="1350">
+      <a:lvl6pPr marL="1714500" algn="l" defTabSz="342900" rtl="0" eaLnBrk="1" latinLnBrk="0" hangingPunct="1">
+        <a:defRPr sz="1350" kern="1200">
           <a:solidFill>
             <a:schemeClr val="tx1"/>
           </a:solidFill>
@@ -3522,8 +3176,8 @@
           <a:cs typeface="+mn-cs"/>
         </a:defRPr>
       </a:lvl6pPr>
-      <a:lvl7pPr algn="l" defTabSz="342900" eaLnBrk="1" hangingPunct="1" latinLnBrk="0" marL="2057400" rtl="0">
-        <a:defRPr kern="1200" sz="1350">
+      <a:lvl7pPr marL="2057400" algn="l" defTabSz="342900" rtl="0" eaLnBrk="1" latinLnBrk="0" hangingPunct="1">
+        <a:defRPr sz="1350" kern="1200">
           <a:solidFill>
             <a:schemeClr val="tx1"/>
           </a:solidFill>
@@ -3532,8 +3186,8 @@
           <a:cs typeface="+mn-cs"/>
         </a:defRPr>
       </a:lvl7pPr>
-      <a:lvl8pPr algn="l" defTabSz="342900" eaLnBrk="1" hangingPunct="1" latinLnBrk="0" marL="2400300" rtl="0">
-        <a:defRPr kern="1200" sz="1350">
+      <a:lvl8pPr marL="2400300" algn="l" defTabSz="342900" rtl="0" eaLnBrk="1" latinLnBrk="0" hangingPunct="1">
+        <a:defRPr sz="1350" kern="1200">
           <a:solidFill>
             <a:schemeClr val="tx1"/>
           </a:solidFill>
@@ -3542,8 +3196,8 @@
           <a:cs typeface="+mn-cs"/>
         </a:defRPr>
       </a:lvl8pPr>
-      <a:lvl9pPr algn="l" defTabSz="342900" eaLnBrk="1" hangingPunct="1" latinLnBrk="0" marL="2743200" rtl="0">
-        <a:defRPr kern="1200" sz="1350">
+      <a:lvl9pPr marL="2743200" algn="l" defTabSz="342900" rtl="0" eaLnBrk="1" latinLnBrk="0" hangingPunct="1">
+        <a:defRPr sz="1350" kern="1200">
           <a:solidFill>
             <a:schemeClr val="tx1"/>
           </a:solidFill>
@@ -3594,11 +3248,10 @@
           <a:bodyPr/>
           <a:lstStyle/>
           <a:p>
-            <a:pPr lvl="0" indent="0" marL="0">
+            <a:pPr marL="0" lvl="0" indent="0">
               <a:buNone/>
             </a:pPr>
             <a:r>
-              <a:rPr/>
               <a:t>Professional skills for data science</a:t>
             </a:r>
           </a:p>
@@ -3611,7 +3264,7 @@
             <a:spLocks noGrp="1"/>
           </p:cNvSpPr>
           <p:nvPr>
-            <p:ph idx="1" type="subTitle"/>
+            <p:ph type="subTitle" idx="1"/>
           </p:nvPr>
         </p:nvSpPr>
         <p:spPr>
@@ -3624,17 +3277,15 @@
           <a:bodyPr/>
           <a:lstStyle/>
           <a:p>
-            <a:pPr lvl="0" indent="0" marL="0">
+            <a:pPr marL="0" lvl="0" indent="0">
               <a:buNone/>
             </a:pPr>
             <a:r>
-              <a:rPr/>
               <a:t>Syntax bootcamp</a:t>
             </a:r>
             <a:br/>
             <a:br/>
             <a:r>
-              <a:rPr/>
               <a:t>Ed Harris, Joseph Mhango</a:t>
             </a:r>
           </a:p>
@@ -3647,7 +3298,7 @@
             <a:spLocks noGrp="1"/>
           </p:cNvSpPr>
           <p:nvPr>
-            <p:ph idx="10" sz="half" type="dt"/>
+            <p:ph type="dt" sz="half" idx="10"/>
           </p:nvPr>
         </p:nvSpPr>
         <p:spPr/>
@@ -3655,11 +3306,10 @@
           <a:bodyPr/>
           <a:lstStyle/>
           <a:p>
-            <a:pPr lvl="0" indent="0" marL="0">
+            <a:pPr marL="0" lvl="0" indent="0">
               <a:buNone/>
             </a:pPr>
             <a:r>
-              <a:rPr/>
               <a:t>2024-09-13</a:t>
             </a:r>
           </a:p>
@@ -3667,6 +3317,9 @@
       </p:sp>
     </p:spTree>
   </p:cSld>
+  <p:clrMapOvr>
+    <a:masterClrMapping/>
+  </p:clrMapOvr>
 </p:sld>
 </file>
 
@@ -3702,18 +3355,16 @@
           <a:bodyPr/>
           <a:lstStyle/>
           <a:p>
-            <a:pPr lvl="0" indent="0" marL="0">
+            <a:pPr marL="0" lvl="0" indent="0">
               <a:buNone/>
             </a:pPr>
             <a:r>
-              <a:rPr/>
               <a:t>R projects and data can be saved in the following formats:</a:t>
             </a:r>
           </a:p>
           <a:p>
             <a:pPr lvl="0"/>
             <a:r>
-              <a:rPr/>
               <a:t>RStudio Project files, organizing scripts and data (</a:t>
             </a:r>
             <a:r>
@@ -3723,14 +3374,12 @@
               <a:t>.Rproj</a:t>
             </a:r>
             <a:r>
-              <a:rPr/>
               <a:t>)</a:t>
             </a:r>
           </a:p>
           <a:p>
             <a:pPr lvl="0"/>
             <a:r>
-              <a:rPr/>
               <a:t>Workspace or multiple R objects (</a:t>
             </a:r>
             <a:r>
@@ -3740,14 +3389,12 @@
               <a:t>.RData</a:t>
             </a:r>
             <a:r>
-              <a:rPr/>
               <a:t>)</a:t>
             </a:r>
           </a:p>
           <a:p>
             <a:pPr lvl="0"/>
             <a:r>
-              <a:rPr/>
               <a:t>Single R object (</a:t>
             </a:r>
             <a:r>
@@ -3757,7 +3404,6 @@
               <a:t>.Rds</a:t>
             </a:r>
             <a:r>
-              <a:rPr/>
               <a:t>)</a:t>
             </a:r>
           </a:p>
@@ -3765,6 +3411,9 @@
       </p:sp>
     </p:spTree>
   </p:cSld>
+  <p:clrMapOvr>
+    <a:masterClrMapping/>
+  </p:clrMapOvr>
 </p:sld>
 </file>
 
@@ -3800,11 +3449,10 @@
           <a:bodyPr/>
           <a:lstStyle/>
           <a:p>
-            <a:pPr lvl="0" indent="0" marL="0">
+            <a:pPr marL="0" lvl="0" indent="0">
               <a:buNone/>
             </a:pPr>
             <a:r>
-              <a:rPr/>
               <a:t>Things can get all woven up…</a:t>
             </a:r>
           </a:p>
@@ -3825,7 +3473,7 @@
           <a:bodyPr/>
           <a:lstStyle/>
           <a:p>
-            <a:pPr lvl="0" indent="0" marL="0">
+            <a:pPr marL="0" lvl="0" indent="0">
               <a:buNone/>
             </a:pPr>
             <a:r>
@@ -3834,11 +3482,10 @@
             </a:r>
           </a:p>
           <a:p>
-            <a:pPr lvl="0" indent="0" marL="0">
+            <a:pPr marL="0" lvl="0" indent="0">
               <a:buNone/>
             </a:pPr>
             <a:r>
-              <a:rPr/>
               <a:t>This presentation comes from a .Qmd document. It has a bunch of text called markdown, sprinkled around R code. The slides and images for the presentation are all organised neatly into an R project in a folder, with a </a:t>
             </a:r>
             <a:r>
@@ -3848,16 +3495,14 @@
               <a:t>.Rproj</a:t>
             </a:r>
             <a:r>
-              <a:rPr/>
               <a:t> overlord  </a:t>
             </a:r>
           </a:p>
           <a:p>
-            <a:pPr lvl="0" indent="0" marL="0">
+            <a:pPr marL="0" lvl="0" indent="0">
               <a:buNone/>
             </a:pPr>
             <a:r>
-              <a:rPr/>
               <a:t>For the purposes of getting started with syntax, we will work strictly with a lone script</a:t>
             </a:r>
           </a:p>
@@ -3865,6 +3510,9 @@
       </p:sp>
     </p:spTree>
   </p:cSld>
+  <p:clrMapOvr>
+    <a:masterClrMapping/>
+  </p:clrMapOvr>
 </p:sld>
 </file>
 
@@ -3900,11 +3548,10 @@
           <a:bodyPr/>
           <a:lstStyle/>
           <a:p>
-            <a:pPr lvl="0" indent="0" marL="0">
+            <a:pPr marL="0" lvl="0" indent="0">
               <a:buNone/>
             </a:pPr>
             <a:r>
-              <a:rPr/>
               <a:t>Writing R Scripts: Best Practices</a:t>
             </a:r>
           </a:p>
@@ -3927,28 +3574,24 @@
           <a:p>
             <a:pPr lvl="0"/>
             <a:r>
-              <a:rPr/>
               <a:t>Document Your Work: Scripts are a a record of your progress</a:t>
             </a:r>
           </a:p>
           <a:p>
             <a:pPr lvl="0"/>
             <a:r>
-              <a:rPr/>
               <a:t>Organise Your Code: Proper structure improves reproducibility</a:t>
             </a:r>
           </a:p>
           <a:p>
             <a:pPr lvl="0"/>
             <a:r>
-              <a:rPr/>
               <a:t>Write for Others: e.g. your future self or supervisor</a:t>
             </a:r>
           </a:p>
           <a:p>
             <a:pPr lvl="0"/>
             <a:r>
-              <a:rPr/>
               <a:t>Use Comments &amp; Pseudocode: human readable with obvious flow</a:t>
             </a:r>
           </a:p>
@@ -3956,6 +3599,9 @@
       </p:sp>
     </p:spTree>
   </p:cSld>
+  <p:clrMapOvr>
+    <a:masterClrMapping/>
+  </p:clrMapOvr>
 </p:sld>
 </file>
 
@@ -3991,11 +3637,10 @@
           <a:bodyPr/>
           <a:lstStyle/>
           <a:p>
-            <a:pPr lvl="0" indent="0" marL="0">
+            <a:pPr marL="0" lvl="0" indent="0">
               <a:buNone/>
             </a:pPr>
             <a:r>
-              <a:rPr/>
               <a:t>Important</a:t>
             </a:r>
           </a:p>
@@ -4018,21 +3663,18 @@
           <a:p>
             <a:pPr lvl="0"/>
             <a:r>
-              <a:rPr/>
               <a:t>Work through the instructions here in RStudio as you go along</a:t>
             </a:r>
           </a:p>
           <a:p>
             <a:pPr lvl="0"/>
             <a:r>
-              <a:rPr/>
               <a:t>Type you own code rather than using copy and paste</a:t>
             </a:r>
           </a:p>
           <a:p>
             <a:pPr lvl="0"/>
             <a:r>
-              <a:rPr/>
               <a:t>Document all the code in your own script and write clear, concise comments</a:t>
             </a:r>
           </a:p>
@@ -4040,6 +3682,9 @@
       </p:sp>
     </p:spTree>
   </p:cSld>
+  <p:clrMapOvr>
+    <a:masterClrMapping/>
+  </p:clrMapOvr>
 </p:sld>
 </file>
 
@@ -4075,11 +3720,10 @@
           <a:bodyPr/>
           <a:lstStyle/>
           <a:p>
-            <a:pPr lvl="0" indent="0" marL="0">
+            <a:pPr marL="0" lvl="0" indent="0">
               <a:buNone/>
             </a:pPr>
             <a:r>
-              <a:rPr/>
               <a:t>The comment (#)…</a:t>
             </a:r>
           </a:p>
@@ -4102,14 +3746,12 @@
           <a:p>
             <a:pPr lvl="0"/>
             <a:r>
-              <a:rPr/>
               <a:t>The hashtag is used to declare comments</a:t>
             </a:r>
           </a:p>
           <a:p>
             <a:pPr lvl="0"/>
             <a:r>
-              <a:rPr/>
               <a:t>Anything that comes after a </a:t>
             </a:r>
             <a:r>
@@ -4119,14 +3761,12 @@
               <a:t>#</a:t>
             </a:r>
             <a:r>
-              <a:rPr/>
               <a:t> on the same line is ignored by the R interpreter during execution</a:t>
             </a:r>
           </a:p>
           <a:p>
             <a:pPr lvl="0"/>
             <a:r>
-              <a:rPr/>
               <a:t>Don’t just litter everywhere (e.g. storing code as comments)</a:t>
             </a:r>
           </a:p>
@@ -4134,6 +3774,9 @@
       </p:sp>
     </p:spTree>
   </p:cSld>
+  <p:clrMapOvr>
+    <a:masterClrMapping/>
+  </p:clrMapOvr>
 </p:sld>
 </file>
 
@@ -4169,11 +3812,10 @@
           <a:bodyPr/>
           <a:lstStyle/>
           <a:p>
-            <a:pPr lvl="0" indent="0" marL="0">
+            <a:pPr marL="0" lvl="0" indent="0">
               <a:buNone/>
             </a:pPr>
             <a:r>
-              <a:rPr/>
               <a:t>The comment (#)…</a:t>
             </a:r>
           </a:p>
@@ -4196,47 +3838,70 @@
           <a:p>
             <a:pPr lvl="0"/>
             <a:r>
-              <a:rPr/>
-              <a:t>Comments are useful for:</a:t>
-            </a:r>
-          </a:p>
-          <a:p>
-            <a:pPr lvl="1" indent="0" marL="342900">
-              <a:buNone/>
-            </a:pPr>
-            <a:r>
-              <a:rPr/>
-              <a:t>+Making headers, tables of contents e.t.c. +Temporarily disabling undesired lines of code +Making code chunks</a:t>
+              <a:rPr dirty="0"/>
+              <a:t>Comments are useful for: </a:t>
+            </a:r>
+            <a:endParaRPr lang="en-GB" dirty="0"/>
+          </a:p>
+          <a:p>
+            <a:pPr lvl="1"/>
+            <a:r>
+              <a:rPr dirty="0"/>
+              <a:t>Making headers, tables of contents </a:t>
+            </a:r>
+            <a:r>
+              <a:rPr dirty="0" err="1"/>
+              <a:t>e.t.c</a:t>
+            </a:r>
+            <a:r>
+              <a:rPr dirty="0"/>
+              <a:t>. </a:t>
+            </a:r>
+            <a:endParaRPr lang="en-GB" dirty="0"/>
+          </a:p>
+          <a:p>
+            <a:pPr lvl="1"/>
+            <a:r>
+              <a:rPr dirty="0"/>
+              <a:t>Temporarily disabling undesired lines of code </a:t>
+            </a:r>
+            <a:endParaRPr lang="en-GB" dirty="0"/>
+          </a:p>
+          <a:p>
+            <a:pPr lvl="1"/>
+            <a:r>
+              <a:rPr dirty="0"/>
+              <a:t>Making code chunks</a:t>
             </a:r>
           </a:p>
           <a:p>
             <a:pPr lvl="0"/>
             <a:r>
-              <a:rPr/>
+              <a:rPr dirty="0"/>
               <a:t>Example of a commenting convention:</a:t>
             </a:r>
           </a:p>
           <a:p>
             <a:pPr lvl="1"/>
             <a:r>
-              <a:rPr/>
+              <a:rPr dirty="0"/>
               <a:t>Code chunks begin with 2 </a:t>
             </a:r>
             <a:r>
-              <a:rPr>
+              <a:rPr dirty="0">
                 <a:latin typeface="Courier"/>
               </a:rPr>
               <a:t>##</a:t>
             </a:r>
             <a:r>
-              <a:rPr/>
+              <a:rPr dirty="0"/>
               <a:t> signs</a:t>
             </a:r>
           </a:p>
           <a:p>
             <a:pPr lvl="1"/>
             <a:r>
-              <a:rPr/>
+              <a:rPr dirty="0"/>
               <a:t>Code chunks end with a consistent pattern</a:t>
             </a:r>
           </a:p>
@@ -4244,6 +3909,9 @@
       </p:sp>
     </p:spTree>
   </p:cSld>
+  <p:clrMapOvr>
+    <a:masterClrMapping/>
+  </p:clrMapOvr>
 </p:sld>
 </file>
 
@@ -4279,11 +3947,10 @@
           <a:bodyPr/>
           <a:lstStyle/>
           <a:p>
-            <a:pPr lvl="0" indent="0" marL="0">
+            <a:pPr marL="0" lvl="0" indent="0">
               <a:buNone/>
             </a:pPr>
             <a:r>
-              <a:rPr/>
               <a:t>Header</a:t>
             </a:r>
           </a:p>
@@ -4304,11 +3971,10 @@
           <a:bodyPr/>
           <a:lstStyle/>
           <a:p>
-            <a:pPr lvl="0" indent="0" marL="0">
+            <a:pPr marL="0" lvl="0" indent="0">
               <a:buNone/>
             </a:pPr>
             <a:r>
-              <a:rPr/>
               <a:t>Always have a header that introduces what the script is about, hopefully with a version number</a:t>
             </a:r>
           </a:p>
@@ -4380,6 +4046,9 @@
       </p:sp>
     </p:spTree>
   </p:cSld>
+  <p:clrMapOvr>
+    <a:masterClrMapping/>
+  </p:clrMapOvr>
 </p:sld>
 </file>
 
@@ -4415,11 +4084,10 @@
           <a:bodyPr/>
           <a:lstStyle/>
           <a:p>
-            <a:pPr lvl="0" indent="0" marL="0">
+            <a:pPr marL="0" lvl="0" indent="0">
               <a:buNone/>
             </a:pPr>
             <a:r>
-              <a:rPr/>
               <a:t>Contents</a:t>
             </a:r>
           </a:p>
@@ -4507,6 +4175,9 @@
       </p:sp>
     </p:spTree>
   </p:cSld>
+  <p:clrMapOvr>
+    <a:masterClrMapping/>
+  </p:clrMapOvr>
 </p:sld>
 </file>
 
@@ -4542,11 +4213,10 @@
           <a:bodyPr/>
           <a:lstStyle/>
           <a:p>
-            <a:pPr lvl="0" indent="0" marL="0">
+            <a:pPr marL="0" lvl="0" indent="0">
               <a:buNone/>
             </a:pPr>
             <a:r>
-              <a:rPr/>
               <a:t>Outlines</a:t>
             </a:r>
           </a:p>
@@ -4569,14 +4239,12 @@
           <a:p>
             <a:pPr lvl="0"/>
             <a:r>
-              <a:rPr/>
               <a:t>Outlines enable you to jump around your script,</a:t>
             </a:r>
           </a:p>
           <a:p>
             <a:pPr lvl="0"/>
             <a:r>
-              <a:rPr/>
               <a:t>If you have clear delimiters in comments, RStudio recognises them as outlines</a:t>
             </a:r>
           </a:p>
@@ -4598,6 +4266,9 @@
       </p:sp>
     </p:spTree>
   </p:cSld>
+  <p:clrMapOvr>
+    <a:masterClrMapping/>
+  </p:clrMapOvr>
 </p:sld>
 </file>
 
@@ -4630,7 +4301,7 @@
         </p:nvSpPr>
         <p:spPr>
           <a:xfrm>
-            <a:off x="722313" y="3305176"/>
+            <a:off x="1155020" y="1900919"/>
             <a:ext cx="7772400" cy="1021556"/>
           </a:xfrm>
         </p:spPr>
@@ -4638,11 +4309,10 @@
           <a:bodyPr/>
           <a:lstStyle/>
           <a:p>
-            <a:pPr lvl="0" indent="0" marL="0">
+            <a:pPr marL="0" lvl="0" indent="0">
               <a:buNone/>
             </a:pPr>
             <a:r>
-              <a:rPr/>
               <a:t>Getting Help in R</a:t>
             </a:r>
           </a:p>
@@ -4650,6 +4320,9 @@
       </p:sp>
     </p:spTree>
   </p:cSld>
+  <p:clrMapOvr>
+    <a:masterClrMapping/>
+  </p:clrMapOvr>
 </p:sld>
 </file>
 
@@ -4685,11 +4358,10 @@
           <a:bodyPr/>
           <a:lstStyle/>
           <a:p>
-            <a:pPr lvl="0" indent="0" marL="0">
+            <a:pPr marL="0" lvl="0" indent="0">
               <a:buNone/>
             </a:pPr>
             <a:r>
-              <a:rPr/>
               <a:t>Setup &amp; Intro</a:t>
             </a:r>
           </a:p>
@@ -4710,11 +4382,10 @@
           <a:bodyPr/>
           <a:lstStyle/>
           <a:p>
-            <a:pPr lvl="0" indent="0" marL="0">
+            <a:pPr marL="0" lvl="0" indent="0">
               <a:buNone/>
             </a:pPr>
             <a:r>
-              <a:rPr/>
               <a:t>https://rstats-bootcamp.github.io/website</a:t>
             </a:r>
           </a:p>
@@ -4722,6 +4393,9 @@
       </p:sp>
     </p:spTree>
   </p:cSld>
+  <p:clrMapOvr>
+    <a:masterClrMapping/>
+  </p:clrMapOvr>
 </p:sld>
 </file>
 
@@ -4757,11 +4431,10 @@
           <a:bodyPr/>
           <a:lstStyle/>
           <a:p>
-            <a:pPr lvl="0" indent="0" marL="0">
+            <a:pPr marL="0" lvl="0" indent="0">
               <a:buNone/>
             </a:pPr>
             <a:r>
-              <a:rPr/>
               <a:t>Community and Resources</a:t>
             </a:r>
           </a:p>
@@ -4784,21 +4457,18 @@
           <a:p>
             <a:pPr lvl="0"/>
             <a:r>
-              <a:rPr/>
               <a:t>R has a strong community with many websites, books, blogs, and more.</a:t>
             </a:r>
           </a:p>
           <a:p>
             <a:pPr lvl="0"/>
             <a:r>
-              <a:rPr/>
               <a:t>The vast array of resources can be overwhelming for beginners.</a:t>
             </a:r>
           </a:p>
           <a:p>
             <a:pPr lvl="0"/>
             <a:r>
-              <a:rPr/>
               <a:t>Best Practice: Start with the R Help System + Use the built-in R Help system first before exploring external resources</a:t>
             </a:r>
           </a:p>
@@ -4806,6 +4476,9 @@
       </p:sp>
     </p:spTree>
   </p:cSld>
+  <p:clrMapOvr>
+    <a:masterClrMapping/>
+  </p:clrMapOvr>
 </p:sld>
 </file>
 
@@ -4841,11 +4514,10 @@
           <a:bodyPr/>
           <a:lstStyle/>
           <a:p>
-            <a:pPr lvl="0" indent="0" marL="0">
+            <a:pPr marL="0" lvl="0" indent="0">
               <a:buNone/>
             </a:pPr>
             <a:r>
-              <a:rPr/>
               <a:t>Accessing Built-in Help in R</a:t>
             </a:r>
           </a:p>
@@ -4868,7 +4540,6 @@
           <a:p>
             <a:pPr lvl="0"/>
             <a:r>
-              <a:rPr/>
               <a:t>The basic way to get help is by using the </a:t>
             </a:r>
             <a:r>
@@ -4878,12 +4549,11 @@
               <a:t>help()</a:t>
             </a:r>
             <a:r>
-              <a:rPr/>
               <a:t> function.</a:t>
             </a:r>
           </a:p>
           <a:p>
-            <a:pPr lvl="0" indent="0" marL="0">
+            <a:pPr marL="0" lvl="0" indent="0">
               <a:buNone/>
             </a:pPr>
             <a:r>
@@ -4891,7 +4561,6 @@
               <a:t>Syntax</a:t>
             </a:r>
             <a:r>
-              <a:rPr/>
               <a:t>:</a:t>
             </a:r>
             <a:br/>
@@ -4905,7 +4574,6 @@
           <a:p>
             <a:pPr lvl="0"/>
             <a:r>
-              <a:rPr/>
               <a:t>Get help on the </a:t>
             </a:r>
             <a:r>
@@ -4915,7 +4583,6 @@
               <a:t>mean()</a:t>
             </a:r>
             <a:r>
-              <a:rPr/>
               <a:t> function</a:t>
             </a:r>
           </a:p>
@@ -4956,6 +4623,9 @@
       </p:sp>
     </p:spTree>
   </p:cSld>
+  <p:clrMapOvr>
+    <a:masterClrMapping/>
+  </p:clrMapOvr>
 </p:sld>
 </file>
 
@@ -4978,7 +4648,7 @@
       </p:grpSpPr>
       <p:pic>
         <p:nvPicPr>
-          <p:cNvPr descr="./images/help_mean.png" id="0" name="Picture 1"/>
+          <p:cNvPr id="2" name="Picture 1" descr="./images/help_mean.png"/>
           <p:cNvPicPr>
             <a:picLocks noGrp="1" noChangeAspect="1"/>
           </p:cNvPicPr>
@@ -4992,8 +4662,8 @@
         </p:blipFill>
         <p:spPr bwMode="auto">
           <a:xfrm>
-            <a:off x="2971800" y="1193800"/>
-            <a:ext cx="3200400" cy="3390900"/>
+            <a:off x="1583870" y="0"/>
+            <a:ext cx="4854539" cy="5143500"/>
           </a:xfrm>
           <a:prstGeom prst="rect">
             <a:avLst/>
@@ -5008,6 +4678,9 @@
       </p:pic>
     </p:spTree>
   </p:cSld>
+  <p:clrMapOvr>
+    <a:masterClrMapping/>
+  </p:clrMapOvr>
 </p:sld>
 </file>
 
@@ -5043,11 +4716,10 @@
           <a:bodyPr/>
           <a:lstStyle/>
           <a:p>
-            <a:pPr lvl="0" indent="0" marL="0">
+            <a:pPr marL="0" lvl="0" indent="0">
               <a:buNone/>
             </a:pPr>
             <a:r>
-              <a:rPr/>
               <a:t>Help page format</a:t>
             </a:r>
           </a:p>
@@ -5063,90 +4735,101 @@
             <p:ph idx="1"/>
           </p:nvPr>
         </p:nvSpPr>
-        <p:spPr/>
-        <p:txBody>
-          <a:bodyPr/>
+        <p:spPr>
+          <a:xfrm>
+            <a:off x="244928" y="874513"/>
+            <a:ext cx="8605157" cy="3852607"/>
+          </a:xfrm>
+        </p:spPr>
+        <p:txBody>
+          <a:bodyPr>
+            <a:normAutofit lnSpcReduction="10000"/>
+          </a:bodyPr>
           <a:lstStyle/>
           <a:p>
-            <a:pPr lvl="0"/>
-            <a:r>
-              <a:rPr/>
+            <a:pPr marL="0" lvl="0" indent="0">
+              <a:buNone/>
+            </a:pPr>
+            <a:r>
+              <a:rPr sz="2800" dirty="0"/>
               <a:t>Help pages have a consistent structure</a:t>
             </a:r>
           </a:p>
           <a:p>
-            <a:pPr lvl="0"/>
-            <a:r>
-              <a:rPr b="1"/>
+            <a:pPr marL="342900" lvl="1" indent="0">
+              <a:buNone/>
+            </a:pPr>
+            <a:r>
+              <a:rPr sz="2400" b="1" dirty="0"/>
               <a:t>1 Function name {Package name}: </a:t>
             </a:r>
             <a:r>
-              <a:rPr/>
+              <a:rPr sz="2400" dirty="0"/>
               <a:t> Tells you the package of the function</a:t>
             </a:r>
           </a:p>
           <a:p>
-            <a:pPr lvl="0" indent="0" marL="0">
+            <a:pPr marL="342900" lvl="1" indent="0">
               <a:buNone/>
             </a:pPr>
             <a:r>
-              <a:rPr b="1"/>
+              <a:rPr sz="2400" b="1" dirty="0"/>
               <a:t>2 Short description: </a:t>
             </a:r>
             <a:r>
-              <a:rPr/>
+              <a:rPr sz="2400" dirty="0"/>
               <a:t> What the function does in brief.</a:t>
             </a:r>
           </a:p>
           <a:p>
-            <a:pPr lvl="0" indent="0" marL="0">
+            <a:pPr marL="342900" lvl="1" indent="0">
               <a:buNone/>
             </a:pPr>
             <a:r>
-              <a:rPr b="1"/>
+              <a:rPr sz="2400" b="1" dirty="0"/>
               <a:t>3 (longer) description: </a:t>
             </a:r>
             <a:r>
-              <a:rPr/>
+              <a:rPr sz="2400" dirty="0"/>
               <a:t> What the function does</a:t>
             </a:r>
           </a:p>
           <a:p>
-            <a:pPr lvl="0" indent="0" marL="0">
+            <a:pPr marL="342900" lvl="1" indent="0">
               <a:buNone/>
             </a:pPr>
             <a:r>
-              <a:rPr b="1"/>
+              <a:rPr sz="2400" b="1" dirty="0"/>
               <a:t>4 Usage: </a:t>
             </a:r>
             <a:r>
-              <a:rPr/>
+              <a:rPr sz="2400" dirty="0"/>
               <a:t> An example of the function in use and “arguments”</a:t>
             </a:r>
           </a:p>
           <a:p>
-            <a:pPr lvl="0" indent="0" marL="0">
+            <a:pPr marL="342900" lvl="1" indent="0">
               <a:buNone/>
             </a:pPr>
             <a:r>
-              <a:rPr b="1"/>
+              <a:rPr sz="2400" b="1" dirty="0"/>
               <a:t>5 Argument definitions: </a:t>
             </a:r>
             <a:r>
-              <a:rPr/>
+              <a:rPr sz="2400" dirty="0"/>
               <a:t> What the argument are and what they do!</a:t>
             </a:r>
           </a:p>
           <a:p>
-            <a:pPr lvl="0" indent="0" marL="0">
+            <a:pPr marL="342900" lvl="1" indent="0">
               <a:buNone/>
             </a:pPr>
             <a:r>
-              <a:rPr b="1"/>
+              <a:rPr sz="2400" b="1" dirty="0"/>
               <a:t>Value: </a:t>
             </a:r>
             <a:r>
-              <a:rPr/>
+              <a:rPr sz="2400" dirty="0"/>
               <a:t> What the function returns</a:t>
             </a:r>
           </a:p>
@@ -5154,6 +4837,9 @@
       </p:sp>
     </p:spTree>
   </p:cSld>
+  <p:clrMapOvr>
+    <a:masterClrMapping/>
+  </p:clrMapOvr>
 </p:sld>
 </file>
 
@@ -5189,11 +4875,10 @@
           <a:bodyPr/>
           <a:lstStyle/>
           <a:p>
-            <a:pPr lvl="0" indent="0" marL="0">
+            <a:pPr marL="0" lvl="0" indent="0">
               <a:buNone/>
             </a:pPr>
             <a:r>
-              <a:rPr/>
               <a:t>Making Help work for us</a:t>
             </a:r>
           </a:p>
@@ -5214,18 +4899,16 @@
           <a:bodyPr/>
           <a:lstStyle/>
           <a:p>
-            <a:pPr lvl="0" indent="0" marL="0">
+            <a:pPr marL="0" lvl="0" indent="0">
               <a:buNone/>
             </a:pPr>
             <a:r>
-              <a:rPr/>
               <a:t>Using the Usage and Argument fields, we can figure out how to make the function do the work we want.</a:t>
             </a:r>
           </a:p>
           <a:p>
             <a:pPr lvl="0"/>
             <a:r>
-              <a:rPr/>
               <a:t>Under Usage:</a:t>
             </a:r>
           </a:p>
@@ -5233,16 +4916,6 @@
             <a:pPr lvl="0" indent="0">
               <a:buNone/>
             </a:pPr>
-            <a:r>
-              <a:rPr>
-                <a:solidFill>
-                  <a:srgbClr val="5E5E5E"/>
-                </a:solidFill>
-                <a:latin typeface="Courier"/>
-              </a:rPr>
-              <a:t># Under Usage:</a:t>
-            </a:r>
-            <a:br/>
             <a:r>
               <a:rPr>
                 <a:solidFill>
@@ -5278,6 +4951,9 @@
       </p:sp>
     </p:spTree>
   </p:cSld>
+  <p:clrMapOvr>
+    <a:masterClrMapping/>
+  </p:clrMapOvr>
 </p:sld>
 </file>
 
@@ -5313,11 +4989,10 @@
           <a:bodyPr/>
           <a:lstStyle/>
           <a:p>
-            <a:pPr lvl="0" indent="0" marL="0">
+            <a:pPr marL="0" lvl="0" indent="0">
               <a:buNone/>
             </a:pPr>
             <a:r>
-              <a:rPr/>
               <a:t>Under Arguments:</a:t>
             </a:r>
           </a:p>
@@ -5364,7 +5039,6 @@
           <a:p>
             <a:pPr lvl="0"/>
             <a:r>
-              <a:rPr/>
               <a:t>Try this code in your own script</a:t>
             </a:r>
           </a:p>
@@ -5505,6 +5179,9 @@
       </p:sp>
     </p:spTree>
   </p:cSld>
+  <p:clrMapOvr>
+    <a:masterClrMapping/>
+  </p:clrMapOvr>
 </p:sld>
 </file>
 
@@ -5540,11 +5217,10 @@
           <a:bodyPr/>
           <a:lstStyle/>
           <a:p>
-            <a:pPr lvl="0" indent="0" marL="0">
+            <a:pPr marL="0" lvl="0" indent="0">
               <a:buNone/>
             </a:pPr>
             <a:r>
-              <a:rPr/>
               <a:t>Pseudocode</a:t>
             </a:r>
           </a:p>
@@ -5571,35 +5247,30 @@
               <a:t>Pseudocode</a:t>
             </a:r>
             <a:r>
-              <a:rPr/>
               <a:t> is a way to break up a big task into a series of smaller tasks. For example:</a:t>
             </a:r>
           </a:p>
           <a:p>
             <a:pPr lvl="1"/>
             <a:r>
-              <a:rPr/>
               <a:t>Read data into R</a:t>
             </a:r>
           </a:p>
           <a:p>
             <a:pPr lvl="1"/>
             <a:r>
-              <a:rPr/>
               <a:t>Perform exploratory analysis</a:t>
             </a:r>
           </a:p>
           <a:p>
             <a:pPr lvl="1"/>
             <a:r>
-              <a:rPr/>
               <a:t>Perform statistical tests</a:t>
             </a:r>
           </a:p>
           <a:p>
             <a:pPr lvl="1"/>
             <a:r>
-              <a:rPr/>
               <a:t>Organize outputs to communicate in a report</a:t>
             </a:r>
           </a:p>
@@ -5607,6 +5278,9 @@
       </p:sp>
     </p:spTree>
   </p:cSld>
+  <p:clrMapOvr>
+    <a:masterClrMapping/>
+  </p:clrMapOvr>
 </p:sld>
 </file>
 
@@ -5642,11 +5316,10 @@
           <a:bodyPr/>
           <a:lstStyle/>
           <a:p>
-            <a:pPr lvl="0" indent="0" marL="0">
+            <a:pPr marL="0" lvl="0" indent="0">
               <a:buNone/>
             </a:pPr>
             <a:r>
-              <a:rPr/>
               <a:t>Submitting code to the interpreter</a:t>
             </a:r>
           </a:p>
@@ -5669,28 +5342,24 @@
           <a:p>
             <a:pPr lvl="0"/>
             <a:r>
-              <a:rPr/>
               <a:t>Run whole line of code your cursor rests on Ctrl+Enter (Cmd+Return in Macs)</a:t>
             </a:r>
           </a:p>
           <a:p>
             <a:pPr lvl="0"/>
             <a:r>
-              <a:rPr/>
               <a:t>Run code you have selected Ctrl+Enter (Cmd+Return in Macs)</a:t>
             </a:r>
           </a:p>
           <a:p>
             <a:pPr lvl="0"/>
             <a:r>
-              <a:rPr/>
               <a:t>Use the “Run” menu above the Script window</a:t>
             </a:r>
           </a:p>
           <a:p>
             <a:pPr lvl="0"/>
             <a:r>
-              <a:rPr/>
               <a:t>Use the Code &gt; Run dropdown menu</a:t>
             </a:r>
           </a:p>
@@ -5698,6 +5367,9 @@
       </p:sp>
     </p:spTree>
   </p:cSld>
+  <p:clrMapOvr>
+    <a:masterClrMapping/>
+  </p:clrMapOvr>
 </p:sld>
 </file>
 
@@ -5728,16 +5400,21 @@
             <p:ph type="title"/>
           </p:nvPr>
         </p:nvSpPr>
-        <p:spPr/>
+        <p:spPr>
+          <a:xfrm>
+            <a:off x="293915" y="1830671"/>
+            <a:ext cx="8229600" cy="857250"/>
+          </a:xfrm>
+        </p:spPr>
         <p:txBody>
           <a:bodyPr/>
           <a:lstStyle/>
           <a:p>
-            <a:pPr lvl="0" indent="0" marL="0">
+            <a:pPr marL="0" lvl="0" indent="0">
               <a:buNone/>
             </a:pPr>
             <a:r>
-              <a:rPr/>
+              <a:rPr dirty="0"/>
               <a:t>Now let’s put the interpreter to work…</a:t>
             </a:r>
           </a:p>
@@ -5745,6 +5422,9 @@
       </p:sp>
     </p:spTree>
   </p:cSld>
+  <p:clrMapOvr>
+    <a:masterClrMapping/>
+  </p:clrMapOvr>
 </p:sld>
 </file>
 
@@ -5780,11 +5460,10 @@
           <a:bodyPr/>
           <a:lstStyle/>
           <a:p>
-            <a:pPr lvl="0" indent="0" marL="0">
+            <a:pPr marL="0" lvl="0" indent="0">
               <a:buNone/>
             </a:pPr>
             <a:r>
-              <a:rPr/>
               <a:t>Math operators</a:t>
             </a:r>
           </a:p>
@@ -5805,16 +5484,15 @@
           <a:bodyPr/>
           <a:lstStyle/>
           <a:p>
-            <a:pPr lvl="0" indent="0" marL="0">
+            <a:pPr marL="0" lvl="0" indent="0">
               <a:buNone/>
             </a:pPr>
             <a:r>
-              <a:rPr/>
               <a:t>Basic manipulation of numbers in R is very easy and intuitive. Let’s try this non-exhaustive list:</a:t>
             </a:r>
           </a:p>
           <a:p>
-            <a:pPr lvl="0" indent="0" marL="0">
+            <a:pPr marL="0" lvl="0" indent="0">
               <a:buNone/>
             </a:pPr>
             <a:r>
@@ -6088,6 +5766,9 @@
       </p:sp>
     </p:spTree>
   </p:cSld>
+  <p:clrMapOvr>
+    <a:masterClrMapping/>
+  </p:clrMapOvr>
 </p:sld>
 </file>
 
@@ -6123,11 +5804,10 @@
           <a:bodyPr/>
           <a:lstStyle/>
           <a:p>
-            <a:pPr lvl="0" indent="0" marL="0">
+            <a:pPr marL="0" lvl="0" indent="0">
               <a:buNone/>
             </a:pPr>
             <a:r>
-              <a:rPr/>
               <a:t>Objectives</a:t>
             </a:r>
           </a:p>
@@ -6150,35 +5830,30 @@
           <a:p>
             <a:pPr lvl="0"/>
             <a:r>
-              <a:rPr/>
               <a:t>How the module works</a:t>
             </a:r>
           </a:p>
           <a:p>
             <a:pPr lvl="0"/>
             <a:r>
-              <a:rPr/>
               <a:t>R motivation</a:t>
             </a:r>
           </a:p>
           <a:p>
             <a:pPr lvl="0"/>
             <a:r>
-              <a:rPr/>
               <a:t>Install R and RStudio or set up RStudio Cloud</a:t>
             </a:r>
           </a:p>
           <a:p>
             <a:pPr lvl="0"/>
             <a:r>
-              <a:rPr/>
               <a:t>RStudio components and setup</a:t>
             </a:r>
           </a:p>
           <a:p>
             <a:pPr lvl="0"/>
             <a:r>
-              <a:rPr/>
               <a:t>Workflow for scripts in R</a:t>
             </a:r>
           </a:p>
@@ -6186,6 +5861,9 @@
       </p:sp>
     </p:spTree>
   </p:cSld>
+  <p:clrMapOvr>
+    <a:masterClrMapping/>
+  </p:clrMapOvr>
 </p:sld>
 </file>
 
@@ -6221,11 +5899,10 @@
           <a:bodyPr/>
           <a:lstStyle/>
           <a:p>
-            <a:pPr lvl="0" indent="0" marL="0">
+            <a:pPr marL="0" lvl="0" indent="0">
               <a:buNone/>
             </a:pPr>
             <a:r>
-              <a:rPr/>
               <a:t>More arithmetic</a:t>
             </a:r>
           </a:p>
@@ -6484,6 +6161,9 @@
       </p:sp>
     </p:spTree>
   </p:cSld>
+  <p:clrMapOvr>
+    <a:masterClrMapping/>
+  </p:clrMapOvr>
 </p:sld>
 </file>
 
@@ -6519,11 +6199,10 @@
           <a:bodyPr/>
           <a:lstStyle/>
           <a:p>
-            <a:pPr lvl="0" indent="0" marL="0">
+            <a:pPr marL="0" lvl="0" indent="0">
               <a:buNone/>
             </a:pPr>
             <a:r>
-              <a:rPr/>
               <a:t>Order of operation</a:t>
             </a:r>
           </a:p>
@@ -6544,11 +6223,10 @@
           <a:bodyPr/>
           <a:lstStyle/>
           <a:p>
-            <a:pPr lvl="0" indent="0" marL="0">
+            <a:pPr marL="0" lvl="0" indent="0">
               <a:buNone/>
             </a:pPr>
             <a:r>
-              <a:rPr/>
               <a:t>For complicated phrases like 2 + 2 * 8 - 6. the BODMAS/PEMDAS rule is followed unless unless a specific order is coded.</a:t>
             </a:r>
           </a:p>
@@ -6856,6 +6534,9 @@
       </p:sp>
     </p:spTree>
   </p:cSld>
+  <p:clrMapOvr>
+    <a:masterClrMapping/>
+  </p:clrMapOvr>
 </p:sld>
 </file>
 
@@ -6891,11 +6572,10 @@
           <a:bodyPr/>
           <a:lstStyle/>
           <a:p>
-            <a:pPr lvl="0" indent="0" marL="0">
+            <a:pPr marL="0" lvl="0" indent="0">
               <a:buNone/>
             </a:pPr>
             <a:r>
-              <a:rPr/>
               <a:t>Use of spaces</a:t>
             </a:r>
           </a:p>
@@ -7172,6 +6852,9 @@
       </p:sp>
     </p:spTree>
   </p:cSld>
+  <p:clrMapOvr>
+    <a:masterClrMapping/>
+  </p:clrMapOvr>
 </p:sld>
 </file>
 
@@ -7207,11 +6890,10 @@
           <a:bodyPr/>
           <a:lstStyle/>
           <a:p>
-            <a:pPr lvl="0" indent="0" marL="0">
+            <a:pPr marL="0" lvl="0" indent="0">
               <a:buNone/>
             </a:pPr>
             <a:r>
-              <a:rPr/>
               <a:t>Boolean operators</a:t>
             </a:r>
           </a:p>
@@ -7232,11 +6914,10 @@
           <a:bodyPr/>
           <a:lstStyle/>
           <a:p>
-            <a:pPr lvl="0" indent="0" marL="0">
+            <a:pPr marL="0" lvl="0" indent="0">
               <a:buNone/>
             </a:pPr>
             <a:r>
-              <a:rPr/>
               <a:t>Boolean operators are expressions that resolve TRUE (treated as “1” in most computing systems including R) versus FALSE (“0”). A typical expression might be something like asking if 5 &gt; 3, which is TRUE. More sophisticated phrases are possible, and sometimes useful.</a:t>
             </a:r>
           </a:p>
@@ -7468,6 +7149,9 @@
       </p:sp>
     </p:spTree>
   </p:cSld>
+  <p:clrMapOvr>
+    <a:masterClrMapping/>
+  </p:clrMapOvr>
 </p:sld>
 </file>
 
@@ -7503,11 +7187,10 @@
           <a:bodyPr/>
           <a:lstStyle/>
           <a:p>
-            <a:pPr lvl="0" indent="0" marL="0">
+            <a:pPr marL="0" lvl="0" indent="0">
               <a:buNone/>
             </a:pPr>
             <a:r>
-              <a:rPr/>
               <a:t>Logic and math</a:t>
             </a:r>
           </a:p>
@@ -7530,14 +7213,12 @@
           <a:p>
             <a:pPr lvl="0"/>
             <a:r>
-              <a:rPr/>
               <a:t>&amp; (ampersand) means “and”</a:t>
             </a:r>
           </a:p>
           <a:p>
             <a:pPr lvl="0"/>
             <a:r>
-              <a:rPr/>
               <a:t>(pipe) means “or”</a:t>
             </a:r>
           </a:p>
@@ -7559,6 +7240,9 @@
       </p:sp>
     </p:spTree>
   </p:cSld>
+  <p:clrMapOvr>
+    <a:masterClrMapping/>
+  </p:clrMapOvr>
 </p:sld>
 </file>
 
@@ -7594,11 +7278,10 @@
           <a:bodyPr/>
           <a:lstStyle/>
           <a:p>
-            <a:pPr lvl="0" indent="0" marL="0">
+            <a:pPr marL="0" lvl="0" indent="0">
               <a:buNone/>
             </a:pPr>
             <a:r>
-              <a:rPr/>
               <a:t>Using Booleans</a:t>
             </a:r>
           </a:p>
@@ -7621,21 +7304,18 @@
           <a:p>
             <a:pPr lvl="0"/>
             <a:r>
-              <a:rPr/>
               <a:t>Booleans can be useful to select data</a:t>
             </a:r>
           </a:p>
           <a:p>
             <a:pPr lvl="0"/>
             <a:r>
-              <a:rPr/>
               <a:t>Put some data into a variable and then print the variable</a:t>
             </a:r>
           </a:p>
           <a:p>
             <a:pPr lvl="0"/>
             <a:r>
-              <a:rPr/>
               <a:t>Note </a:t>
             </a:r>
             <a:r>
@@ -7645,14 +7325,12 @@
               <a:t>&lt;-</a:t>
             </a:r>
             <a:r>
-              <a:rPr/>
               <a:t> is the ASSIGNMENT syntax in R, which puts the value on the left “into” x</a:t>
             </a:r>
           </a:p>
           <a:p>
             <a:pPr lvl="0"/>
             <a:r>
-              <a:rPr/>
               <a:t>The square brackets are there to allow us to specify an index of the data vector… more later</a:t>
             </a:r>
           </a:p>
@@ -7839,6 +7517,9 @@
       </p:sp>
     </p:spTree>
   </p:cSld>
+  <p:clrMapOvr>
+    <a:masterClrMapping/>
+  </p:clrMapOvr>
 </p:sld>
 </file>
 
@@ -7874,11 +7555,10 @@
           <a:bodyPr/>
           <a:lstStyle/>
           <a:p>
-            <a:pPr lvl="0" indent="0" marL="0">
+            <a:pPr marL="0" lvl="0" indent="0">
               <a:buNone/>
             </a:pPr>
             <a:r>
-              <a:rPr/>
               <a:t>The “not” operator - !</a:t>
             </a:r>
           </a:p>
@@ -8294,6 +7974,9 @@
       </p:sp>
     </p:spTree>
   </p:cSld>
+  <p:clrMapOvr>
+    <a:masterClrMapping/>
+  </p:clrMapOvr>
 </p:sld>
 </file>
 
@@ -8329,11 +8012,10 @@
           <a:bodyPr/>
           <a:lstStyle/>
           <a:p>
-            <a:pPr lvl="0" indent="0" marL="0">
+            <a:pPr marL="0" lvl="0" indent="0">
               <a:buNone/>
             </a:pPr>
             <a:r>
-              <a:rPr/>
               <a:t>Base R and the Tidyverse</a:t>
             </a:r>
           </a:p>
@@ -8341,6 +8023,9 @@
       </p:sp>
     </p:spTree>
   </p:cSld>
+  <p:clrMapOvr>
+    <a:masterClrMapping/>
+  </p:clrMapOvr>
 </p:sld>
 </file>
 
@@ -8376,11 +8061,10 @@
           <a:bodyPr/>
           <a:lstStyle/>
           <a:p>
-            <a:pPr lvl="0" indent="0" marL="0">
+            <a:pPr marL="0" lvl="0" indent="0">
               <a:buNone/>
             </a:pPr>
             <a:r>
-              <a:rPr/>
               <a:t>Base R</a:t>
             </a:r>
           </a:p>
@@ -8407,7 +8091,6 @@
               <a:t>Base R: </a:t>
             </a:r>
             <a:r>
-              <a:rPr/>
               <a:t> the basic functions which let R function as a language</a:t>
             </a:r>
           </a:p>
@@ -8423,7 +8106,6 @@
           <a:p>
             <a:pPr lvl="0"/>
             <a:r>
-              <a:rPr/>
               <a:t>Examples include functions like </a:t>
             </a:r>
             <a:r>
@@ -8433,7 +8115,6 @@
               <a:t>read.table()</a:t>
             </a:r>
             <a:r>
-              <a:rPr/>
               <a:t>, </a:t>
             </a:r>
             <a:r>
@@ -8443,14 +8124,12 @@
               <a:t>data.frame()</a:t>
             </a:r>
             <a:r>
-              <a:rPr/>
               <a:t>, etc.</a:t>
             </a:r>
           </a:p>
           <a:p>
             <a:pPr lvl="0"/>
             <a:r>
-              <a:rPr/>
               <a:t>Here’s the thing; mastering R is mastering Base R</a:t>
             </a:r>
           </a:p>
@@ -8461,7 +8140,6 @@
               <a:t>Base R</a:t>
             </a:r>
             <a:r>
-              <a:rPr/>
               <a:t> provides the tools you need to eventually even write your own R packages.</a:t>
             </a:r>
           </a:p>
@@ -8469,6 +8147,9 @@
       </p:sp>
     </p:spTree>
   </p:cSld>
+  <p:clrMapOvr>
+    <a:masterClrMapping/>
+  </p:clrMapOvr>
 </p:sld>
 </file>
 
@@ -8504,11 +8185,10 @@
           <a:bodyPr/>
           <a:lstStyle/>
           <a:p>
-            <a:pPr lvl="0" indent="0" marL="0">
+            <a:pPr marL="0" lvl="0" indent="0">
               <a:buNone/>
             </a:pPr>
             <a:r>
-              <a:rPr/>
               <a:t>The Tidyverse</a:t>
             </a:r>
           </a:p>
@@ -8535,7 +8215,6 @@
               <a:t>The Tidyverse</a:t>
             </a:r>
             <a:r>
-              <a:rPr/>
               <a:t> is </a:t>
             </a:r>
             <a:r>
@@ -8543,14 +8222,12 @@
               <a:t>collection of R packages</a:t>
             </a:r>
             <a:r>
-              <a:rPr/>
               <a:t>.</a:t>
             </a:r>
           </a:p>
           <a:p>
             <a:pPr lvl="0"/>
             <a:r>
-              <a:rPr/>
               <a:t>Developed by </a:t>
             </a:r>
             <a:r>
@@ -8558,7 +8235,6 @@
               <a:t>RStudio</a:t>
             </a:r>
             <a:r>
-              <a:rPr/>
               <a:t> (Hadley Wickham and others), now called </a:t>
             </a:r>
             <a:r>
@@ -8566,14 +8242,12 @@
               <a:t>Posit</a:t>
             </a:r>
             <a:r>
-              <a:rPr/>
               <a:t>.</a:t>
             </a:r>
           </a:p>
           <a:p>
             <a:pPr lvl="0"/>
             <a:r>
-              <a:rPr/>
               <a:t>Core packages: </a:t>
             </a:r>
             <a:r>
@@ -8583,7 +8257,6 @@
               <a:t>ggplot2</a:t>
             </a:r>
             <a:r>
-              <a:rPr/>
               <a:t>, </a:t>
             </a:r>
             <a:r>
@@ -8593,7 +8266,6 @@
               <a:t>dplyr</a:t>
             </a:r>
             <a:r>
-              <a:rPr/>
               <a:t>, </a:t>
             </a:r>
             <a:r>
@@ -8603,7 +8275,6 @@
               <a:t>tidyr</a:t>
             </a:r>
             <a:r>
-              <a:rPr/>
               <a:t>, </a:t>
             </a:r>
             <a:r>
@@ -8613,7 +8284,6 @@
               <a:t>readr</a:t>
             </a:r>
             <a:r>
-              <a:rPr/>
               <a:t>, </a:t>
             </a:r>
             <a:r>
@@ -8623,7 +8293,6 @@
               <a:t>tibble</a:t>
             </a:r>
             <a:r>
-              <a:rPr/>
               <a:t>, and </a:t>
             </a:r>
             <a:r>
@@ -8633,35 +8302,30 @@
               <a:t>purrr</a:t>
             </a:r>
             <a:r>
-              <a:rPr/>
               <a:t>.</a:t>
             </a:r>
           </a:p>
           <a:p>
             <a:pPr lvl="0"/>
             <a:r>
-              <a:rPr/>
               <a:t>Tidyverse focuses on:</a:t>
             </a:r>
           </a:p>
           <a:p>
             <a:pPr lvl="1"/>
             <a:r>
-              <a:rPr/>
               <a:t>Human-readable code.</a:t>
             </a:r>
           </a:p>
           <a:p>
             <a:pPr lvl="1"/>
             <a:r>
-              <a:rPr/>
               <a:t>Consistency across functions.</a:t>
             </a:r>
           </a:p>
           <a:p>
             <a:pPr lvl="1"/>
             <a:r>
-              <a:rPr/>
               <a:t>Easy-to-use tools for common data manipulation and visualization</a:t>
             </a:r>
           </a:p>
@@ -8669,6 +8333,9 @@
       </p:sp>
     </p:spTree>
   </p:cSld>
+  <p:clrMapOvr>
+    <a:masterClrMapping/>
+  </p:clrMapOvr>
 </p:sld>
 </file>
 
@@ -8704,11 +8371,10 @@
           <a:bodyPr/>
           <a:lstStyle/>
           <a:p>
-            <a:pPr lvl="0" indent="0" marL="0">
+            <a:pPr marL="0" lvl="0" indent="0">
               <a:buNone/>
             </a:pPr>
             <a:r>
-              <a:rPr/>
               <a:t>How C7091 works</a:t>
             </a:r>
           </a:p>
@@ -8731,28 +8397,24 @@
           <a:p>
             <a:pPr lvl="0"/>
             <a:r>
-              <a:rPr/>
               <a:t>Lectures followed by problem sets for assessment</a:t>
             </a:r>
           </a:p>
           <a:p>
             <a:pPr lvl="0"/>
             <a:r>
-              <a:rPr/>
               <a:t>An introduction to statistics in R</a:t>
             </a:r>
           </a:p>
           <a:p>
             <a:pPr lvl="0"/>
             <a:r>
-              <a:rPr/>
               <a:t>Collaboration tools</a:t>
             </a:r>
           </a:p>
           <a:p>
             <a:pPr lvl="0"/>
             <a:r>
-              <a:rPr/>
               <a:t>Reproducible research and reporting stats</a:t>
             </a:r>
           </a:p>
@@ -8760,6 +8422,9 @@
       </p:sp>
     </p:spTree>
   </p:cSld>
+  <p:clrMapOvr>
+    <a:masterClrMapping/>
+  </p:clrMapOvr>
 </p:sld>
 </file>
 
@@ -8795,11 +8460,10 @@
           <a:bodyPr/>
           <a:lstStyle/>
           <a:p>
-            <a:pPr lvl="0" indent="0" marL="0">
+            <a:pPr marL="0" lvl="0" indent="0">
               <a:buNone/>
             </a:pPr>
             <a:r>
-              <a:rPr/>
               <a:t>Differences Between Base R and the Tidyverse</a:t>
             </a:r>
           </a:p>
@@ -8822,7 +8486,6 @@
           <a:p>
             <a:pPr lvl="0"/>
             <a:r>
-              <a:rPr/>
               <a:t>Base R provides lower-level intuitive functions; the Tidyverse provides </a:t>
             </a:r>
             <a:r>
@@ -8830,7 +8493,6 @@
               <a:t>simplified, higher-level abstractions</a:t>
             </a:r>
             <a:r>
-              <a:rPr/>
               <a:t>.</a:t>
             </a:r>
           </a:p>
@@ -8841,21 +8503,18 @@
               <a:t>Tidyverse</a:t>
             </a:r>
             <a:r>
-              <a:rPr/>
               <a:t> emphasizes abstractions that make data wrangling easier</a:t>
             </a:r>
           </a:p>
           <a:p>
             <a:pPr lvl="0"/>
             <a:r>
-              <a:rPr/>
               <a:t>But guess what, most of the tidyverse is written on top of Base R</a:t>
             </a:r>
           </a:p>
           <a:p>
             <a:pPr lvl="0"/>
             <a:r>
-              <a:rPr/>
               <a:t>Base R is pretty stable, the tidyverse has a deprecation problem</a:t>
             </a:r>
           </a:p>
@@ -8863,6 +8522,9 @@
       </p:sp>
     </p:spTree>
   </p:cSld>
+  <p:clrMapOvr>
+    <a:masterClrMapping/>
+  </p:clrMapOvr>
 </p:sld>
 </file>
 
@@ -8898,11 +8560,10 @@
           <a:bodyPr/>
           <a:lstStyle/>
           <a:p>
-            <a:pPr lvl="0" indent="0" marL="0">
+            <a:pPr marL="0" lvl="0" indent="0">
               <a:buNone/>
             </a:pPr>
             <a:r>
-              <a:rPr/>
               <a:t>The error traceback</a:t>
             </a:r>
           </a:p>
@@ -8925,21 +8586,20 @@
           <a:p>
             <a:pPr lvl="0"/>
             <a:r>
-              <a:rPr/>
+              <a:rPr dirty="0"/>
               <a:t>Don’t be intimidated by the screaming red text</a:t>
             </a:r>
           </a:p>
           <a:p>
             <a:pPr lvl="0"/>
             <a:r>
-              <a:rPr/>
+              <a:rPr dirty="0"/>
               <a:t>It’s all bark and no bite</a:t>
             </a:r>
           </a:p>
           <a:p>
             <a:pPr lvl="0"/>
             <a:r>
-              <a:rPr/>
               <a:t>if it looks confusing, use </a:t>
             </a:r>
             <a:r>
@@ -8949,28 +8609,27 @@
               <a:t>traceback()</a:t>
             </a:r>
             <a:r>
-              <a:rPr/>
               <a:t> -Most of the times, it’s because:</a:t>
             </a:r>
           </a:p>
           <a:p>
             <a:pPr lvl="1"/>
             <a:r>
-              <a:rPr/>
+              <a:rPr dirty="0"/>
               <a:t>you’re making calculations on an invalid datatype</a:t>
             </a:r>
           </a:p>
           <a:p>
             <a:pPr lvl="1"/>
             <a:r>
-              <a:rPr/>
+              <a:rPr dirty="0"/>
               <a:t>you’re passing the wrong things to function arguments</a:t>
             </a:r>
           </a:p>
           <a:p>
             <a:pPr lvl="1"/>
             <a:r>
-              <a:rPr/>
+              <a:rPr dirty="0"/>
               <a:t>you’ve made a syntax error somewhere</a:t>
             </a:r>
           </a:p>
@@ -8978,6 +8637,9 @@
       </p:sp>
     </p:spTree>
   </p:cSld>
+  <p:clrMapOvr>
+    <a:masterClrMapping/>
+  </p:clrMapOvr>
 </p:sld>
 </file>
 
@@ -9013,11 +8675,10 @@
           <a:bodyPr/>
           <a:lstStyle/>
           <a:p>
-            <a:pPr lvl="0" indent="0" marL="0">
+            <a:pPr marL="0" lvl="0" indent="0">
               <a:buNone/>
             </a:pPr>
             <a:r>
-              <a:rPr/>
               <a:t>Why R</a:t>
             </a:r>
           </a:p>
@@ -9040,42 +8701,36 @@
           <a:p>
             <a:pPr lvl="0"/>
             <a:r>
-              <a:rPr/>
               <a:t>R is objectively the best statistical software available</a:t>
             </a:r>
           </a:p>
           <a:p>
             <a:pPr lvl="0"/>
             <a:r>
-              <a:rPr/>
               <a:t>R is designed for people with no programming experience to perform sophisticated statistical analysis with minimum effort</a:t>
             </a:r>
           </a:p>
           <a:p>
             <a:pPr lvl="0"/>
             <a:r>
-              <a:rPr/>
               <a:t>In wide use at universities, companies: job demand</a:t>
             </a:r>
           </a:p>
           <a:p>
             <a:pPr lvl="0"/>
             <a:r>
-              <a:rPr/>
               <a:t>Very large community of users</a:t>
             </a:r>
           </a:p>
           <a:p>
             <a:pPr lvl="0"/>
             <a:r>
-              <a:rPr/>
               <a:t>Free and open source</a:t>
             </a:r>
           </a:p>
           <a:p>
             <a:pPr lvl="0"/>
             <a:r>
-              <a:rPr/>
               <a:t>Works well on all computers and OSes, old and new</a:t>
             </a:r>
           </a:p>
@@ -9083,6 +8738,9 @@
       </p:sp>
     </p:spTree>
   </p:cSld>
+  <p:clrMapOvr>
+    <a:masterClrMapping/>
+  </p:clrMapOvr>
 </p:sld>
 </file>
 
@@ -9118,11 +8776,10 @@
           <a:bodyPr/>
           <a:lstStyle/>
           <a:p>
-            <a:pPr lvl="0" indent="0" marL="0">
+            <a:pPr marL="0" lvl="0" indent="0">
               <a:buNone/>
             </a:pPr>
             <a:r>
-              <a:rPr/>
               <a:t>How to setup R and R studio</a:t>
             </a:r>
           </a:p>
@@ -9145,7 +8802,6 @@
           <a:p>
             <a:pPr lvl="0"/>
             <a:r>
-              <a:rPr/>
               <a:t>Install R and R Studio locally</a:t>
             </a:r>
           </a:p>
@@ -9171,6 +8827,9 @@
       </p:sp>
     </p:spTree>
   </p:cSld>
+  <p:clrMapOvr>
+    <a:masterClrMapping/>
+  </p:clrMapOvr>
 </p:sld>
 </file>
 
@@ -9206,11 +8865,10 @@
           <a:bodyPr/>
           <a:lstStyle/>
           <a:p>
-            <a:pPr lvl="0" indent="0" marL="0">
+            <a:pPr marL="0" lvl="0" indent="0">
               <a:buNone/>
             </a:pPr>
             <a:r>
-              <a:rPr/>
               <a:t>RStudio components and setup</a:t>
             </a:r>
           </a:p>
@@ -9218,7 +8876,7 @@
       </p:sp>
       <p:pic>
         <p:nvPicPr>
-          <p:cNvPr descr="./images/rstudio.png" id="0" name="Picture 1"/>
+          <p:cNvPr id="3" name="Picture 1" descr="./images/rstudio.png"/>
           <p:cNvPicPr>
             <a:picLocks noGrp="1" noChangeAspect="1"/>
           </p:cNvPicPr>
@@ -9248,6 +8906,9 @@
       </p:pic>
     </p:spTree>
   </p:cSld>
+  <p:clrMapOvr>
+    <a:masterClrMapping/>
+  </p:clrMapOvr>
 </p:sld>
 </file>
 
@@ -9283,11 +8944,10 @@
           <a:bodyPr/>
           <a:lstStyle/>
           <a:p>
-            <a:pPr lvl="0" indent="0" marL="0">
+            <a:pPr marL="0" lvl="0" indent="0">
               <a:buNone/>
             </a:pPr>
             <a:r>
-              <a:rPr/>
               <a:t>R Language: General statement</a:t>
             </a:r>
           </a:p>
@@ -9308,18 +8968,20 @@
           <a:bodyPr/>
           <a:lstStyle/>
           <a:p>
-            <a:pPr lvl="0" indent="0" marL="0">
+            <a:pPr marL="0" lvl="0" indent="0">
               <a:buNone/>
             </a:pPr>
             <a:r>
-              <a:rPr/>
-              <a:t>R is a programming language designed to help non-programmers perform statistical analyses and to make graphs. This section is intended to guide people through some of the basics of the R programming language, just enough to get started.</a:t>
+              <a:t>R is a programming language designed to help non-programmers perform statistical analyses and to make graphs. This session is intended to guide people through some of the basics of the R programming language, just enough to get started.</a:t>
             </a:r>
           </a:p>
         </p:txBody>
       </p:sp>
     </p:spTree>
   </p:cSld>
+  <p:clrMapOvr>
+    <a:masterClrMapping/>
+  </p:clrMapOvr>
 </p:sld>
 </file>
 
@@ -9355,11 +9017,10 @@
           <a:bodyPr/>
           <a:lstStyle/>
           <a:p>
-            <a:pPr lvl="0" indent="0" marL="0">
+            <a:pPr marL="0" lvl="0" indent="0">
               <a:buNone/>
             </a:pPr>
             <a:r>
-              <a:rPr/>
               <a:t>The Life of Code…</a:t>
             </a:r>
           </a:p>
@@ -9382,7 +9043,6 @@
           <a:p>
             <a:pPr lvl="0"/>
             <a:r>
-              <a:rPr/>
               <a:t>R code can live comfortably in the following formats:</a:t>
             </a:r>
           </a:p>
@@ -9395,7 +9055,6 @@
               <a:t>.R</a:t>
             </a:r>
             <a:r>
-              <a:rPr/>
               <a:t> (Scripts)</a:t>
             </a:r>
           </a:p>
@@ -9408,7 +9067,6 @@
               <a:t>.Rmd</a:t>
             </a:r>
             <a:r>
-              <a:rPr/>
               <a:t> (R Markdown)</a:t>
             </a:r>
           </a:p>
@@ -9421,7 +9079,6 @@
               <a:t>.Qmd</a:t>
             </a:r>
             <a:r>
-              <a:rPr/>
               <a:t> (Quarto Markdown)</a:t>
             </a:r>
           </a:p>
@@ -9434,7 +9091,6 @@
               <a:t>.ipynb</a:t>
             </a:r>
             <a:r>
-              <a:rPr/>
               <a:t> (Jupyter Notebooks)</a:t>
             </a:r>
           </a:p>
@@ -9442,6 +9098,9 @@
       </p:sp>
     </p:spTree>
   </p:cSld>
+  <p:clrMapOvr>
+    <a:masterClrMapping/>
+  </p:clrMapOvr>
 </p:sld>
 </file>
 
@@ -9763,265 +9422,4 @@
   </a:objectDefaults>
   <a:extraClrSchemeLst/>
 </a:theme>
-</file>
-
-<file path=ppt/theme/theme2.xml><?xml version="1.0" encoding="utf-8"?>
-<a:theme xmlns:a="http://schemas.openxmlformats.org/drawingml/2006/main" name="Office Theme">
-  <a:themeElements>
-    <a:clrScheme name="Office">
-      <a:dk1>
-        <a:sysClr val="windowText" lastClr="000000"/>
-      </a:dk1>
-      <a:lt1>
-        <a:sysClr val="window" lastClr="FFFFFF"/>
-      </a:lt1>
-      <a:dk2>
-        <a:srgbClr val="44546A"/>
-      </a:dk2>
-      <a:lt2>
-        <a:srgbClr val="E7E6E6"/>
-      </a:lt2>
-      <a:accent1>
-        <a:srgbClr val="5B9BD5"/>
-      </a:accent1>
-      <a:accent2>
-        <a:srgbClr val="ED7D31"/>
-      </a:accent2>
-      <a:accent3>
-        <a:srgbClr val="A5A5A5"/>
-      </a:accent3>
-      <a:accent4>
-        <a:srgbClr val="FFC000"/>
-      </a:accent4>
-      <a:accent5>
-        <a:srgbClr val="4472C4"/>
-      </a:accent5>
-      <a:accent6>
-        <a:srgbClr val="70AD47"/>
-      </a:accent6>
-      <a:hlink>
-        <a:srgbClr val="0563C1"/>
-      </a:hlink>
-      <a:folHlink>
-        <a:srgbClr val="954F72"/>
-      </a:folHlink>
-    </a:clrScheme>
-    <a:fontScheme name="Office">
-      <a:majorFont>
-        <a:latin typeface="Calibri Light" panose="020F0302020204030204"/>
-        <a:ea typeface=""/>
-        <a:cs typeface=""/>
-        <a:font script="Jpan" typeface="ＭＳ Ｐゴシック"/>
-        <a:font script="Hang" typeface="맑은 고딕"/>
-        <a:font script="Hans" typeface="宋体"/>
-        <a:font script="Hant" typeface="新細明體"/>
-        <a:font script="Arab" typeface="Times New Roman"/>
-        <a:font script="Hebr" typeface="Times New Roman"/>
-        <a:font script="Thai" typeface="Angsana New"/>
-        <a:font script="Ethi" typeface="Nyala"/>
-        <a:font script="Beng" typeface="Vrinda"/>
-        <a:font script="Gujr" typeface="Shruti"/>
-        <a:font script="Khmr" typeface="MoolBoran"/>
-        <a:font script="Knda" typeface="Tunga"/>
-        <a:font script="Guru" typeface="Raavi"/>
-        <a:font script="Cans" typeface="Euphemia"/>
-        <a:font script="Cher" typeface="Plantagenet Cherokee"/>
-        <a:font script="Yiii" typeface="Microsoft Yi Baiti"/>
-        <a:font script="Tibt" typeface="Microsoft Himalaya"/>
-        <a:font script="Thaa" typeface="MV Boli"/>
-        <a:font script="Deva" typeface="Mangal"/>
-        <a:font script="Telu" typeface="Gautami"/>
-        <a:font script="Taml" typeface="Latha"/>
-        <a:font script="Syrc" typeface="Estrangelo Edessa"/>
-        <a:font script="Orya" typeface="Kalinga"/>
-        <a:font script="Mlym" typeface="Kartika"/>
-        <a:font script="Laoo" typeface="DokChampa"/>
-        <a:font script="Sinh" typeface="Iskoola Pota"/>
-        <a:font script="Mong" typeface="Mongolian Baiti"/>
-        <a:font script="Viet" typeface="Times New Roman"/>
-        <a:font script="Uigh" typeface="Microsoft Uighur"/>
-        <a:font script="Geor" typeface="Sylfaen"/>
-      </a:majorFont>
-      <a:minorFont>
-        <a:latin typeface="Calibri" panose="020F0502020204030204"/>
-        <a:ea typeface=""/>
-        <a:cs typeface=""/>
-        <a:font script="Jpan" typeface="ＭＳ Ｐゴシック"/>
-        <a:font script="Hang" typeface="맑은 고딕"/>
-        <a:font script="Hans" typeface="宋体"/>
-        <a:font script="Hant" typeface="新細明體"/>
-        <a:font script="Arab" typeface="Arial"/>
-        <a:font script="Hebr" typeface="Arial"/>
-        <a:font script="Thai" typeface="Cordia New"/>
-        <a:font script="Ethi" typeface="Nyala"/>
-        <a:font script="Beng" typeface="Vrinda"/>
-        <a:font script="Gujr" typeface="Shruti"/>
-        <a:font script="Khmr" typeface="DaunPenh"/>
-        <a:font script="Knda" typeface="Tunga"/>
-        <a:font script="Guru" typeface="Raavi"/>
-        <a:font script="Cans" typeface="Euphemia"/>
-        <a:font script="Cher" typeface="Plantagenet Cherokee"/>
-        <a:font script="Yiii" typeface="Microsoft Yi Baiti"/>
-        <a:font script="Tibt" typeface="Microsoft Himalaya"/>
-        <a:font script="Thaa" typeface="MV Boli"/>
-        <a:font script="Deva" typeface="Mangal"/>
-        <a:font script="Telu" typeface="Gautami"/>
-        <a:font script="Taml" typeface="Latha"/>
-        <a:font script="Syrc" typeface="Estrangelo Edessa"/>
-        <a:font script="Orya" typeface="Kalinga"/>
-        <a:font script="Mlym" typeface="Kartika"/>
-        <a:font script="Laoo" typeface="DokChampa"/>
-        <a:font script="Sinh" typeface="Iskoola Pota"/>
-        <a:font script="Mong" typeface="Mongolian Baiti"/>
-        <a:font script="Viet" typeface="Arial"/>
-        <a:font script="Uigh" typeface="Microsoft Uighur"/>
-        <a:font script="Geor" typeface="Sylfaen"/>
-      </a:minorFont>
-    </a:fontScheme>
-    <a:fmtScheme name="Office">
-      <a:fillStyleLst>
-        <a:solidFill>
-          <a:schemeClr val="phClr"/>
-        </a:solidFill>
-        <a:gradFill rotWithShape="1">
-          <a:gsLst>
-            <a:gs pos="0">
-              <a:schemeClr val="phClr">
-                <a:lumMod val="110000"/>
-                <a:satMod val="105000"/>
-                <a:tint val="67000"/>
-              </a:schemeClr>
-            </a:gs>
-            <a:gs pos="50000">
-              <a:schemeClr val="phClr">
-                <a:lumMod val="105000"/>
-                <a:satMod val="103000"/>
-                <a:tint val="73000"/>
-              </a:schemeClr>
-            </a:gs>
-            <a:gs pos="100000">
-              <a:schemeClr val="phClr">
-                <a:lumMod val="105000"/>
-                <a:satMod val="109000"/>
-                <a:tint val="81000"/>
-              </a:schemeClr>
-            </a:gs>
-          </a:gsLst>
-          <a:lin ang="5400000" scaled="0"/>
-        </a:gradFill>
-        <a:gradFill rotWithShape="1">
-          <a:gsLst>
-            <a:gs pos="0">
-              <a:schemeClr val="phClr">
-                <a:satMod val="103000"/>
-                <a:lumMod val="102000"/>
-                <a:tint val="94000"/>
-              </a:schemeClr>
-            </a:gs>
-            <a:gs pos="50000">
-              <a:schemeClr val="phClr">
-                <a:satMod val="110000"/>
-                <a:lumMod val="100000"/>
-                <a:shade val="100000"/>
-              </a:schemeClr>
-            </a:gs>
-            <a:gs pos="100000">
-              <a:schemeClr val="phClr">
-                <a:lumMod val="99000"/>
-                <a:satMod val="120000"/>
-                <a:shade val="78000"/>
-              </a:schemeClr>
-            </a:gs>
-          </a:gsLst>
-          <a:lin ang="5400000" scaled="0"/>
-        </a:gradFill>
-      </a:fillStyleLst>
-      <a:lnStyleLst>
-        <a:ln w="6350" cap="flat" cmpd="sng" algn="ctr">
-          <a:solidFill>
-            <a:schemeClr val="phClr"/>
-          </a:solidFill>
-          <a:prstDash val="solid"/>
-          <a:miter lim="800000"/>
-        </a:ln>
-        <a:ln w="12700" cap="flat" cmpd="sng" algn="ctr">
-          <a:solidFill>
-            <a:schemeClr val="phClr"/>
-          </a:solidFill>
-          <a:prstDash val="solid"/>
-          <a:miter lim="800000"/>
-        </a:ln>
-        <a:ln w="19050" cap="flat" cmpd="sng" algn="ctr">
-          <a:solidFill>
-            <a:schemeClr val="phClr"/>
-          </a:solidFill>
-          <a:prstDash val="solid"/>
-          <a:miter lim="800000"/>
-        </a:ln>
-      </a:lnStyleLst>
-      <a:effectStyleLst>
-        <a:effectStyle>
-          <a:effectLst/>
-        </a:effectStyle>
-        <a:effectStyle>
-          <a:effectLst/>
-        </a:effectStyle>
-        <a:effectStyle>
-          <a:effectLst>
-            <a:outerShdw blurRad="57150" dist="19050" dir="5400000" algn="ctr" rotWithShape="0">
-              <a:srgbClr val="000000">
-                <a:alpha val="63000"/>
-              </a:srgbClr>
-            </a:outerShdw>
-          </a:effectLst>
-        </a:effectStyle>
-      </a:effectStyleLst>
-      <a:bgFillStyleLst>
-        <a:solidFill>
-          <a:schemeClr val="phClr"/>
-        </a:solidFill>
-        <a:solidFill>
-          <a:schemeClr val="phClr">
-            <a:tint val="95000"/>
-            <a:satMod val="170000"/>
-          </a:schemeClr>
-        </a:solidFill>
-        <a:gradFill rotWithShape="1">
-          <a:gsLst>
-            <a:gs pos="0">
-              <a:schemeClr val="phClr">
-                <a:tint val="93000"/>
-                <a:satMod val="150000"/>
-                <a:shade val="98000"/>
-                <a:lumMod val="102000"/>
-              </a:schemeClr>
-            </a:gs>
-            <a:gs pos="50000">
-              <a:schemeClr val="phClr">
-                <a:tint val="98000"/>
-                <a:satMod val="130000"/>
-                <a:shade val="90000"/>
-                <a:lumMod val="103000"/>
-              </a:schemeClr>
-            </a:gs>
-            <a:gs pos="100000">
-              <a:schemeClr val="phClr">
-                <a:shade val="63000"/>
-                <a:satMod val="120000"/>
-              </a:schemeClr>
-            </a:gs>
-          </a:gsLst>
-          <a:lin ang="5400000" scaled="0"/>
-        </a:gradFill>
-      </a:bgFillStyleLst>
-    </a:fmtScheme>
-  </a:themeElements>
-  <a:objectDefaults/>
-  <a:extraClrSchemeLst/>
-  <a:extLst>
-    <a:ext uri="{05A4C25C-085E-4340-85A3-A5531E510DB2}">
-      <thm15:themeFamily xmlns:thm15="http://schemas.microsoft.com/office/thememl/2012/main" name="Office Theme" id="{62F939B6-93AF-4DB8-9C6B-D6C7DFDC589F}" vid="{4A3C46E8-61CC-4603-A589-7422A47A8E4A}"/>
-    </a:ext>
-  </a:extLst>
-</a:theme>
 </file>